--- a/Robot Warehouse Navigation - CS8803-001 AI for Robotics.pptx
+++ b/Robot Warehouse Navigation - CS8803-001 AI for Robotics.pptx
@@ -5,10 +5,14 @@
     <p:sldMasterId id="2147483648" r:id="rId1"/>
     <p:sldMasterId id="2147483661" r:id="rId2"/>
   </p:sldMasterIdLst>
+  <p:notesMasterIdLst>
+    <p:notesMasterId r:id="rId7"/>
+  </p:notesMasterIdLst>
   <p:sldIdLst>
     <p:sldId id="256" r:id="rId3"/>
     <p:sldId id="257" r:id="rId4"/>
-    <p:sldId id="259" r:id="rId5"/>
+    <p:sldId id="260" r:id="rId5"/>
+    <p:sldId id="261" r:id="rId6"/>
   </p:sldIdLst>
   <p:sldSz cx="9144000" cy="6858000" type="screen4x3"/>
   <p:notesSz cx="6858000" cy="9144000"/>
@@ -126,6 +130,523 @@
 </p:presentation>
 </file>
 
+<file path=ppt/notesMasters/notesMaster1.xml><?xml version="1.0" encoding="utf-8"?>
+<p:notesMaster xmlns:a="http://schemas.openxmlformats.org/drawingml/2006/main" xmlns:r="http://schemas.openxmlformats.org/officeDocument/2006/relationships" xmlns:p="http://schemas.openxmlformats.org/presentationml/2006/main">
+  <p:cSld>
+    <p:bg>
+      <p:bgRef idx="1001">
+        <a:schemeClr val="bg1"/>
+      </p:bgRef>
+    </p:bg>
+    <p:spTree>
+      <p:nvGrpSpPr>
+        <p:cNvPr id="1" name=""/>
+        <p:cNvGrpSpPr/>
+        <p:nvPr/>
+      </p:nvGrpSpPr>
+      <p:grpSpPr>
+        <a:xfrm>
+          <a:off x="0" y="0"/>
+          <a:ext cx="0" cy="0"/>
+          <a:chOff x="0" y="0"/>
+          <a:chExt cx="0" cy="0"/>
+        </a:xfrm>
+      </p:grpSpPr>
+      <p:sp>
+        <p:nvSpPr>
+          <p:cNvPr id="2" name="Header Placeholder 1"/>
+          <p:cNvSpPr>
+            <a:spLocks noGrp="1"/>
+          </p:cNvSpPr>
+          <p:nvPr>
+            <p:ph type="hdr" sz="quarter"/>
+          </p:nvPr>
+        </p:nvSpPr>
+        <p:spPr>
+          <a:xfrm>
+            <a:off x="0" y="0"/>
+            <a:ext cx="2971800" cy="458788"/>
+          </a:xfrm>
+          <a:prstGeom prst="rect">
+            <a:avLst/>
+          </a:prstGeom>
+        </p:spPr>
+        <p:txBody>
+          <a:bodyPr vert="horz" lIns="91440" tIns="45720" rIns="91440" bIns="45720" rtlCol="0"/>
+          <a:lstStyle>
+            <a:lvl1pPr algn="l">
+              <a:defRPr sz="1200"/>
+            </a:lvl1pPr>
+          </a:lstStyle>
+          <a:p>
+            <a:endParaRPr lang="en-US"/>
+          </a:p>
+        </p:txBody>
+      </p:sp>
+      <p:sp>
+        <p:nvSpPr>
+          <p:cNvPr id="3" name="Date Placeholder 2"/>
+          <p:cNvSpPr>
+            <a:spLocks noGrp="1"/>
+          </p:cNvSpPr>
+          <p:nvPr>
+            <p:ph type="dt" idx="1"/>
+          </p:nvPr>
+        </p:nvSpPr>
+        <p:spPr>
+          <a:xfrm>
+            <a:off x="3884613" y="0"/>
+            <a:ext cx="2971800" cy="458788"/>
+          </a:xfrm>
+          <a:prstGeom prst="rect">
+            <a:avLst/>
+          </a:prstGeom>
+        </p:spPr>
+        <p:txBody>
+          <a:bodyPr vert="horz" lIns="91440" tIns="45720" rIns="91440" bIns="45720" rtlCol="0"/>
+          <a:lstStyle>
+            <a:lvl1pPr algn="r">
+              <a:defRPr sz="1200"/>
+            </a:lvl1pPr>
+          </a:lstStyle>
+          <a:p>
+            <a:fld id="{0CC5415A-C9D8-436A-995F-385527771364}" type="datetimeFigureOut">
+              <a:rPr lang="en-US" smtClean="0"/>
+              <a:t>8/4/2018</a:t>
+            </a:fld>
+            <a:endParaRPr lang="en-US"/>
+          </a:p>
+        </p:txBody>
+      </p:sp>
+      <p:sp>
+        <p:nvSpPr>
+          <p:cNvPr id="4" name="Slide Image Placeholder 3"/>
+          <p:cNvSpPr>
+            <a:spLocks noGrp="1" noRot="1" noChangeAspect="1"/>
+          </p:cNvSpPr>
+          <p:nvPr>
+            <p:ph type="sldImg" idx="2"/>
+          </p:nvPr>
+        </p:nvSpPr>
+        <p:spPr>
+          <a:xfrm>
+            <a:off x="1371600" y="1143000"/>
+            <a:ext cx="4114800" cy="3086100"/>
+          </a:xfrm>
+          <a:prstGeom prst="rect">
+            <a:avLst/>
+          </a:prstGeom>
+          <a:noFill/>
+          <a:ln w="12700">
+            <a:solidFill>
+              <a:prstClr val="black"/>
+            </a:solidFill>
+          </a:ln>
+        </p:spPr>
+        <p:txBody>
+          <a:bodyPr vert="horz" lIns="91440" tIns="45720" rIns="91440" bIns="45720" rtlCol="0" anchor="ctr"/>
+          <a:lstStyle/>
+          <a:p>
+            <a:endParaRPr lang="en-US"/>
+          </a:p>
+        </p:txBody>
+      </p:sp>
+      <p:sp>
+        <p:nvSpPr>
+          <p:cNvPr id="5" name="Notes Placeholder 4"/>
+          <p:cNvSpPr>
+            <a:spLocks noGrp="1"/>
+          </p:cNvSpPr>
+          <p:nvPr>
+            <p:ph type="body" sz="quarter" idx="3"/>
+          </p:nvPr>
+        </p:nvSpPr>
+        <p:spPr>
+          <a:xfrm>
+            <a:off x="685800" y="4400550"/>
+            <a:ext cx="5486400" cy="3600450"/>
+          </a:xfrm>
+          <a:prstGeom prst="rect">
+            <a:avLst/>
+          </a:prstGeom>
+        </p:spPr>
+        <p:txBody>
+          <a:bodyPr vert="horz" lIns="91440" tIns="45720" rIns="91440" bIns="45720" rtlCol="0"/>
+          <a:lstStyle/>
+          <a:p>
+            <a:pPr lvl="0"/>
+            <a:r>
+              <a:rPr lang="en-US"/>
+              <a:t>Edit Master text styles</a:t>
+            </a:r>
+          </a:p>
+          <a:p>
+            <a:pPr lvl="1"/>
+            <a:r>
+              <a:rPr lang="en-US"/>
+              <a:t>Second level</a:t>
+            </a:r>
+          </a:p>
+          <a:p>
+            <a:pPr lvl="2"/>
+            <a:r>
+              <a:rPr lang="en-US"/>
+              <a:t>Third level</a:t>
+            </a:r>
+          </a:p>
+          <a:p>
+            <a:pPr lvl="3"/>
+            <a:r>
+              <a:rPr lang="en-US"/>
+              <a:t>Fourth level</a:t>
+            </a:r>
+          </a:p>
+          <a:p>
+            <a:pPr lvl="4"/>
+            <a:r>
+              <a:rPr lang="en-US"/>
+              <a:t>Fifth level</a:t>
+            </a:r>
+          </a:p>
+        </p:txBody>
+      </p:sp>
+      <p:sp>
+        <p:nvSpPr>
+          <p:cNvPr id="6" name="Footer Placeholder 5"/>
+          <p:cNvSpPr>
+            <a:spLocks noGrp="1"/>
+          </p:cNvSpPr>
+          <p:nvPr>
+            <p:ph type="ftr" sz="quarter" idx="4"/>
+          </p:nvPr>
+        </p:nvSpPr>
+        <p:spPr>
+          <a:xfrm>
+            <a:off x="0" y="8685213"/>
+            <a:ext cx="2971800" cy="458787"/>
+          </a:xfrm>
+          <a:prstGeom prst="rect">
+            <a:avLst/>
+          </a:prstGeom>
+        </p:spPr>
+        <p:txBody>
+          <a:bodyPr vert="horz" lIns="91440" tIns="45720" rIns="91440" bIns="45720" rtlCol="0" anchor="b"/>
+          <a:lstStyle>
+            <a:lvl1pPr algn="l">
+              <a:defRPr sz="1200"/>
+            </a:lvl1pPr>
+          </a:lstStyle>
+          <a:p>
+            <a:endParaRPr lang="en-US"/>
+          </a:p>
+        </p:txBody>
+      </p:sp>
+      <p:sp>
+        <p:nvSpPr>
+          <p:cNvPr id="7" name="Slide Number Placeholder 6"/>
+          <p:cNvSpPr>
+            <a:spLocks noGrp="1"/>
+          </p:cNvSpPr>
+          <p:nvPr>
+            <p:ph type="sldNum" sz="quarter" idx="5"/>
+          </p:nvPr>
+        </p:nvSpPr>
+        <p:spPr>
+          <a:xfrm>
+            <a:off x="3884613" y="8685213"/>
+            <a:ext cx="2971800" cy="458787"/>
+          </a:xfrm>
+          <a:prstGeom prst="rect">
+            <a:avLst/>
+          </a:prstGeom>
+        </p:spPr>
+        <p:txBody>
+          <a:bodyPr vert="horz" lIns="91440" tIns="45720" rIns="91440" bIns="45720" rtlCol="0" anchor="b"/>
+          <a:lstStyle>
+            <a:lvl1pPr algn="r">
+              <a:defRPr sz="1200"/>
+            </a:lvl1pPr>
+          </a:lstStyle>
+          <a:p>
+            <a:fld id="{7BA3159C-95C6-43DB-AA02-1E97CD25682D}" type="slidenum">
+              <a:rPr lang="en-US" smtClean="0"/>
+              <a:t>‹#›</a:t>
+            </a:fld>
+            <a:endParaRPr lang="en-US"/>
+          </a:p>
+        </p:txBody>
+      </p:sp>
+    </p:spTree>
+    <p:extLst>
+      <p:ext uri="{BB962C8B-B14F-4D97-AF65-F5344CB8AC3E}">
+        <p14:creationId xmlns:p14="http://schemas.microsoft.com/office/powerpoint/2010/main" val="2203661670"/>
+      </p:ext>
+    </p:extLst>
+  </p:cSld>
+  <p:clrMap bg1="lt1" tx1="dk1" bg2="lt2" tx2="dk2" accent1="accent1" accent2="accent2" accent3="accent3" accent4="accent4" accent5="accent5" accent6="accent6" hlink="hlink" folHlink="folHlink"/>
+  <p:notesStyle>
+    <a:lvl1pPr marL="0" algn="l" defTabSz="914400" rtl="0" eaLnBrk="1" latinLnBrk="0" hangingPunct="1">
+      <a:defRPr sz="1200" kern="1200">
+        <a:solidFill>
+          <a:schemeClr val="tx1"/>
+        </a:solidFill>
+        <a:latin typeface="+mn-lt"/>
+        <a:ea typeface="+mn-ea"/>
+        <a:cs typeface="+mn-cs"/>
+      </a:defRPr>
+    </a:lvl1pPr>
+    <a:lvl2pPr marL="457200" algn="l" defTabSz="914400" rtl="0" eaLnBrk="1" latinLnBrk="0" hangingPunct="1">
+      <a:defRPr sz="1200" kern="1200">
+        <a:solidFill>
+          <a:schemeClr val="tx1"/>
+        </a:solidFill>
+        <a:latin typeface="+mn-lt"/>
+        <a:ea typeface="+mn-ea"/>
+        <a:cs typeface="+mn-cs"/>
+      </a:defRPr>
+    </a:lvl2pPr>
+    <a:lvl3pPr marL="914400" algn="l" defTabSz="914400" rtl="0" eaLnBrk="1" latinLnBrk="0" hangingPunct="1">
+      <a:defRPr sz="1200" kern="1200">
+        <a:solidFill>
+          <a:schemeClr val="tx1"/>
+        </a:solidFill>
+        <a:latin typeface="+mn-lt"/>
+        <a:ea typeface="+mn-ea"/>
+        <a:cs typeface="+mn-cs"/>
+      </a:defRPr>
+    </a:lvl3pPr>
+    <a:lvl4pPr marL="1371600" algn="l" defTabSz="914400" rtl="0" eaLnBrk="1" latinLnBrk="0" hangingPunct="1">
+      <a:defRPr sz="1200" kern="1200">
+        <a:solidFill>
+          <a:schemeClr val="tx1"/>
+        </a:solidFill>
+        <a:latin typeface="+mn-lt"/>
+        <a:ea typeface="+mn-ea"/>
+        <a:cs typeface="+mn-cs"/>
+      </a:defRPr>
+    </a:lvl4pPr>
+    <a:lvl5pPr marL="1828800" algn="l" defTabSz="914400" rtl="0" eaLnBrk="1" latinLnBrk="0" hangingPunct="1">
+      <a:defRPr sz="1200" kern="1200">
+        <a:solidFill>
+          <a:schemeClr val="tx1"/>
+        </a:solidFill>
+        <a:latin typeface="+mn-lt"/>
+        <a:ea typeface="+mn-ea"/>
+        <a:cs typeface="+mn-cs"/>
+      </a:defRPr>
+    </a:lvl5pPr>
+    <a:lvl6pPr marL="2286000" algn="l" defTabSz="914400" rtl="0" eaLnBrk="1" latinLnBrk="0" hangingPunct="1">
+      <a:defRPr sz="1200" kern="1200">
+        <a:solidFill>
+          <a:schemeClr val="tx1"/>
+        </a:solidFill>
+        <a:latin typeface="+mn-lt"/>
+        <a:ea typeface="+mn-ea"/>
+        <a:cs typeface="+mn-cs"/>
+      </a:defRPr>
+    </a:lvl6pPr>
+    <a:lvl7pPr marL="2743200" algn="l" defTabSz="914400" rtl="0" eaLnBrk="1" latinLnBrk="0" hangingPunct="1">
+      <a:defRPr sz="1200" kern="1200">
+        <a:solidFill>
+          <a:schemeClr val="tx1"/>
+        </a:solidFill>
+        <a:latin typeface="+mn-lt"/>
+        <a:ea typeface="+mn-ea"/>
+        <a:cs typeface="+mn-cs"/>
+      </a:defRPr>
+    </a:lvl7pPr>
+    <a:lvl8pPr marL="3200400" algn="l" defTabSz="914400" rtl="0" eaLnBrk="1" latinLnBrk="0" hangingPunct="1">
+      <a:defRPr sz="1200" kern="1200">
+        <a:solidFill>
+          <a:schemeClr val="tx1"/>
+        </a:solidFill>
+        <a:latin typeface="+mn-lt"/>
+        <a:ea typeface="+mn-ea"/>
+        <a:cs typeface="+mn-cs"/>
+      </a:defRPr>
+    </a:lvl8pPr>
+    <a:lvl9pPr marL="3657600" algn="l" defTabSz="914400" rtl="0" eaLnBrk="1" latinLnBrk="0" hangingPunct="1">
+      <a:defRPr sz="1200" kern="1200">
+        <a:solidFill>
+          <a:schemeClr val="tx1"/>
+        </a:solidFill>
+        <a:latin typeface="+mn-lt"/>
+        <a:ea typeface="+mn-ea"/>
+        <a:cs typeface="+mn-cs"/>
+      </a:defRPr>
+    </a:lvl9pPr>
+  </p:notesStyle>
+</p:notesMaster>
+</file>
+
+<file path=ppt/notesSlides/notesSlide1.xml><?xml version="1.0" encoding="utf-8"?>
+<p:notes xmlns:a="http://schemas.openxmlformats.org/drawingml/2006/main" xmlns:r="http://schemas.openxmlformats.org/officeDocument/2006/relationships" xmlns:p="http://schemas.openxmlformats.org/presentationml/2006/main">
+  <p:cSld>
+    <p:spTree>
+      <p:nvGrpSpPr>
+        <p:cNvPr id="1" name=""/>
+        <p:cNvGrpSpPr/>
+        <p:nvPr/>
+      </p:nvGrpSpPr>
+      <p:grpSpPr>
+        <a:xfrm>
+          <a:off x="0" y="0"/>
+          <a:ext cx="0" cy="0"/>
+          <a:chOff x="0" y="0"/>
+          <a:chExt cx="0" cy="0"/>
+        </a:xfrm>
+      </p:grpSpPr>
+      <p:sp>
+        <p:nvSpPr>
+          <p:cNvPr id="2" name="Slide Image Placeholder 1"/>
+          <p:cNvSpPr>
+            <a:spLocks noGrp="1" noRot="1" noChangeAspect="1"/>
+          </p:cNvSpPr>
+          <p:nvPr>
+            <p:ph type="sldImg"/>
+          </p:nvPr>
+        </p:nvSpPr>
+        <p:spPr/>
+      </p:sp>
+      <p:sp>
+        <p:nvSpPr>
+          <p:cNvPr id="3" name="Notes Placeholder 2"/>
+          <p:cNvSpPr>
+            <a:spLocks noGrp="1"/>
+          </p:cNvSpPr>
+          <p:nvPr>
+            <p:ph type="body" idx="1"/>
+          </p:nvPr>
+        </p:nvSpPr>
+        <p:spPr/>
+        <p:txBody>
+          <a:bodyPr/>
+          <a:lstStyle/>
+          <a:p>
+            <a:endParaRPr lang="en-US" dirty="0"/>
+          </a:p>
+        </p:txBody>
+      </p:sp>
+      <p:sp>
+        <p:nvSpPr>
+          <p:cNvPr id="4" name="Slide Number Placeholder 3"/>
+          <p:cNvSpPr>
+            <a:spLocks noGrp="1"/>
+          </p:cNvSpPr>
+          <p:nvPr>
+            <p:ph type="sldNum" sz="quarter" idx="10"/>
+          </p:nvPr>
+        </p:nvSpPr>
+        <p:spPr/>
+        <p:txBody>
+          <a:bodyPr/>
+          <a:lstStyle/>
+          <a:p>
+            <a:fld id="{7BA3159C-95C6-43DB-AA02-1E97CD25682D}" type="slidenum">
+              <a:rPr lang="en-US" smtClean="0"/>
+              <a:t>3</a:t>
+            </a:fld>
+            <a:endParaRPr lang="en-US"/>
+          </a:p>
+        </p:txBody>
+      </p:sp>
+    </p:spTree>
+    <p:extLst>
+      <p:ext uri="{BB962C8B-B14F-4D97-AF65-F5344CB8AC3E}">
+        <p14:creationId xmlns:p14="http://schemas.microsoft.com/office/powerpoint/2010/main" val="2614486606"/>
+      </p:ext>
+    </p:extLst>
+  </p:cSld>
+  <p:clrMapOvr>
+    <a:masterClrMapping/>
+  </p:clrMapOvr>
+</p:notes>
+</file>
+
+<file path=ppt/notesSlides/notesSlide2.xml><?xml version="1.0" encoding="utf-8"?>
+<p:notes xmlns:a="http://schemas.openxmlformats.org/drawingml/2006/main" xmlns:r="http://schemas.openxmlformats.org/officeDocument/2006/relationships" xmlns:p="http://schemas.openxmlformats.org/presentationml/2006/main">
+  <p:cSld>
+    <p:spTree>
+      <p:nvGrpSpPr>
+        <p:cNvPr id="1" name=""/>
+        <p:cNvGrpSpPr/>
+        <p:nvPr/>
+      </p:nvGrpSpPr>
+      <p:grpSpPr>
+        <a:xfrm>
+          <a:off x="0" y="0"/>
+          <a:ext cx="0" cy="0"/>
+          <a:chOff x="0" y="0"/>
+          <a:chExt cx="0" cy="0"/>
+        </a:xfrm>
+      </p:grpSpPr>
+      <p:sp>
+        <p:nvSpPr>
+          <p:cNvPr id="2" name="Slide Image Placeholder 1"/>
+          <p:cNvSpPr>
+            <a:spLocks noGrp="1" noRot="1" noChangeAspect="1"/>
+          </p:cNvSpPr>
+          <p:nvPr>
+            <p:ph type="sldImg"/>
+          </p:nvPr>
+        </p:nvSpPr>
+        <p:spPr/>
+      </p:sp>
+      <p:sp>
+        <p:nvSpPr>
+          <p:cNvPr id="3" name="Notes Placeholder 2"/>
+          <p:cNvSpPr>
+            <a:spLocks noGrp="1"/>
+          </p:cNvSpPr>
+          <p:nvPr>
+            <p:ph type="body" idx="1"/>
+          </p:nvPr>
+        </p:nvSpPr>
+        <p:spPr/>
+        <p:txBody>
+          <a:bodyPr/>
+          <a:lstStyle/>
+          <a:p>
+            <a:endParaRPr lang="en-US" dirty="0"/>
+          </a:p>
+        </p:txBody>
+      </p:sp>
+      <p:sp>
+        <p:nvSpPr>
+          <p:cNvPr id="4" name="Slide Number Placeholder 3"/>
+          <p:cNvSpPr>
+            <a:spLocks noGrp="1"/>
+          </p:cNvSpPr>
+          <p:nvPr>
+            <p:ph type="sldNum" sz="quarter" idx="10"/>
+          </p:nvPr>
+        </p:nvSpPr>
+        <p:spPr/>
+        <p:txBody>
+          <a:bodyPr/>
+          <a:lstStyle/>
+          <a:p>
+            <a:fld id="{7BA3159C-95C6-43DB-AA02-1E97CD25682D}" type="slidenum">
+              <a:rPr lang="en-US" smtClean="0"/>
+              <a:t>4</a:t>
+            </a:fld>
+            <a:endParaRPr lang="en-US"/>
+          </a:p>
+        </p:txBody>
+      </p:sp>
+    </p:spTree>
+    <p:extLst>
+      <p:ext uri="{BB962C8B-B14F-4D97-AF65-F5344CB8AC3E}">
+        <p14:creationId xmlns:p14="http://schemas.microsoft.com/office/powerpoint/2010/main" val="2493347089"/>
+      </p:ext>
+    </p:extLst>
+  </p:cSld>
+  <p:clrMapOvr>
+    <a:masterClrMapping/>
+  </p:clrMapOvr>
+</p:notes>
+</file>
+
 <file path=ppt/slideLayouts/slideLayout1.xml><?xml version="1.0" encoding="utf-8"?>
 <p:sldLayout xmlns:a="http://schemas.openxmlformats.org/drawingml/2006/main" xmlns:r="http://schemas.openxmlformats.org/officeDocument/2006/relationships" xmlns:p="http://schemas.openxmlformats.org/presentationml/2006/main" preserve="1" userDrawn="1">
   <p:cSld name="Title Slide">
@@ -204,7 +725,7 @@
           <a:p>
             <a:fld id="{18DCCD61-643D-44A5-A450-3A42A50CBC1E}" type="datetimeFigureOut">
               <a:rPr lang="en-US" smtClean="0"/>
-              <a:t>7/29/2018</a:t>
+              <a:t>8/4/2018</a:t>
             </a:fld>
             <a:endParaRPr lang="en-US"/>
           </a:p>
@@ -479,7 +1000,7 @@
           <a:p>
             <a:fld id="{18DCCD61-643D-44A5-A450-3A42A50CBC1E}" type="datetimeFigureOut">
               <a:rPr lang="en-US" smtClean="0"/>
-              <a:t>7/29/2018</a:t>
+              <a:t>8/4/2018</a:t>
             </a:fld>
             <a:endParaRPr lang="en-US"/>
           </a:p>
@@ -731,7 +1252,7 @@
           <a:p>
             <a:fld id="{18DCCD61-643D-44A5-A450-3A42A50CBC1E}" type="datetimeFigureOut">
               <a:rPr lang="en-US" smtClean="0"/>
-              <a:t>7/29/2018</a:t>
+              <a:t>8/4/2018</a:t>
             </a:fld>
             <a:endParaRPr lang="en-US"/>
           </a:p>
@@ -899,7 +1420,7 @@
           <a:p>
             <a:fld id="{18DCCD61-643D-44A5-A450-3A42A50CBC1E}" type="datetimeFigureOut">
               <a:rPr lang="en-US" smtClean="0"/>
-              <a:t>7/29/2018</a:t>
+              <a:t>8/4/2018</a:t>
             </a:fld>
             <a:endParaRPr lang="en-US"/>
           </a:p>
@@ -1077,7 +1598,7 @@
           <a:p>
             <a:fld id="{18DCCD61-643D-44A5-A450-3A42A50CBC1E}" type="datetimeFigureOut">
               <a:rPr lang="en-US" smtClean="0"/>
-              <a:t>7/29/2018</a:t>
+              <a:t>8/4/2018</a:t>
             </a:fld>
             <a:endParaRPr lang="en-US"/>
           </a:p>
@@ -1665,7 +2186,7 @@
           <a:p>
             <a:fld id="{18DCCD61-643D-44A5-A450-3A42A50CBC1E}" type="datetimeFigureOut">
               <a:rPr lang="en-US" smtClean="0"/>
-              <a:t>7/29/2018</a:t>
+              <a:t>8/4/2018</a:t>
             </a:fld>
             <a:endParaRPr lang="en-US"/>
           </a:p>
@@ -1833,7 +2354,7 @@
           <a:p>
             <a:fld id="{18DCCD61-643D-44A5-A450-3A42A50CBC1E}" type="datetimeFigureOut">
               <a:rPr lang="en-US" smtClean="0"/>
-              <a:t>7/29/2018</a:t>
+              <a:t>8/4/2018</a:t>
             </a:fld>
             <a:endParaRPr lang="en-US"/>
           </a:p>
@@ -2078,7 +2599,7 @@
           <a:p>
             <a:fld id="{18DCCD61-643D-44A5-A450-3A42A50CBC1E}" type="datetimeFigureOut">
               <a:rPr lang="en-US" smtClean="0"/>
-              <a:t>7/29/2018</a:t>
+              <a:t>8/4/2018</a:t>
             </a:fld>
             <a:endParaRPr lang="en-US"/>
           </a:p>
@@ -2363,7 +2884,7 @@
           <a:p>
             <a:fld id="{18DCCD61-643D-44A5-A450-3A42A50CBC1E}" type="datetimeFigureOut">
               <a:rPr lang="en-US" smtClean="0"/>
-              <a:t>7/29/2018</a:t>
+              <a:t>8/4/2018</a:t>
             </a:fld>
             <a:endParaRPr lang="en-US"/>
           </a:p>
@@ -2782,7 +3303,7 @@
           <a:p>
             <a:fld id="{18DCCD61-643D-44A5-A450-3A42A50CBC1E}" type="datetimeFigureOut">
               <a:rPr lang="en-US" smtClean="0"/>
-              <a:t>7/29/2018</a:t>
+              <a:t>8/4/2018</a:t>
             </a:fld>
             <a:endParaRPr lang="en-US"/>
           </a:p>
@@ -2899,7 +3420,7 @@
           <a:p>
             <a:fld id="{18DCCD61-643D-44A5-A450-3A42A50CBC1E}" type="datetimeFigureOut">
               <a:rPr lang="en-US" smtClean="0"/>
-              <a:t>7/29/2018</a:t>
+              <a:t>8/4/2018</a:t>
             </a:fld>
             <a:endParaRPr lang="en-US"/>
           </a:p>
@@ -3401,7 +3922,7 @@
           <a:p>
             <a:fld id="{18DCCD61-643D-44A5-A450-3A42A50CBC1E}" type="datetimeFigureOut">
               <a:rPr lang="en-US" smtClean="0"/>
-              <a:t>7/29/2018</a:t>
+              <a:t>8/4/2018</a:t>
             </a:fld>
             <a:endParaRPr lang="en-US"/>
           </a:p>
@@ -4058,136 +4579,824 @@
             <p:ph type="title"/>
           </p:nvPr>
         </p:nvSpPr>
+        <p:spPr>
+          <a:xfrm>
+            <a:off x="467544" y="16778"/>
+            <a:ext cx="8676456" cy="1069514"/>
+          </a:xfrm>
+        </p:spPr>
+        <p:txBody>
+          <a:bodyPr/>
+          <a:lstStyle/>
+          <a:p>
+            <a:r>
+              <a:rPr lang="en-US" altLang="ko-KR" dirty="0"/>
+              <a:t>Overview</a:t>
+            </a:r>
+            <a:endParaRPr lang="ko-KR" altLang="en-US" dirty="0"/>
+          </a:p>
+        </p:txBody>
+      </p:sp>
+      <p:sp>
+        <p:nvSpPr>
+          <p:cNvPr id="6" name="Content Placeholder 5"/>
+          <p:cNvSpPr>
+            <a:spLocks noGrp="1"/>
+          </p:cNvSpPr>
+          <p:nvPr>
+            <p:ph idx="1"/>
+          </p:nvPr>
+        </p:nvSpPr>
         <p:spPr/>
         <p:txBody>
           <a:bodyPr/>
           <a:lstStyle/>
           <a:p>
             <a:r>
-              <a:rPr lang="en-US" altLang="ko-KR" dirty="0"/>
-              <a:t> Click to add title</a:t>
-            </a:r>
-            <a:endParaRPr lang="ko-KR" altLang="en-US" dirty="0"/>
-          </a:p>
-        </p:txBody>
-      </p:sp>
-      <p:sp>
-        <p:nvSpPr>
-          <p:cNvPr id="6" name="Content Placeholder 5"/>
-          <p:cNvSpPr>
-            <a:spLocks noGrp="1"/>
-          </p:cNvSpPr>
-          <p:nvPr>
-            <p:ph idx="1"/>
-          </p:nvPr>
-        </p:nvSpPr>
-        <p:spPr/>
+              <a:rPr lang="en-US" b="1" dirty="0"/>
+              <a:t>	</a:t>
+            </a:r>
+            <a:endParaRPr lang="en-US" altLang="ko-KR" b="1" dirty="0">
+              <a:solidFill>
+                <a:schemeClr val="tx1">
+                  <a:lumMod val="75000"/>
+                  <a:lumOff val="25000"/>
+                </a:schemeClr>
+              </a:solidFill>
+              <a:latin typeface="Arial" pitchFamily="34" charset="0"/>
+              <a:cs typeface="Arial" pitchFamily="34" charset="0"/>
+            </a:endParaRPr>
+          </a:p>
+        </p:txBody>
+      </p:sp>
+      <p:sp>
+        <p:nvSpPr>
+          <p:cNvPr id="7" name="Content Placeholder 6"/>
+          <p:cNvSpPr>
+            <a:spLocks noGrp="1"/>
+          </p:cNvSpPr>
+          <p:nvPr>
+            <p:ph idx="10"/>
+          </p:nvPr>
+        </p:nvSpPr>
+        <p:spPr>
+          <a:xfrm>
+            <a:off x="467544" y="1484784"/>
+            <a:ext cx="8229600" cy="3600400"/>
+          </a:xfrm>
+        </p:spPr>
         <p:txBody>
           <a:bodyPr/>
           <a:lstStyle/>
           <a:p>
             <a:r>
-              <a:rPr lang="en-US" b="1" dirty="0"/>
-              <a:t>Free PPT Templates - </a:t>
-            </a:r>
-            <a:r>
-              <a:rPr lang="en-US" altLang="ko-KR" b="1" dirty="0">
-                <a:solidFill>
-                  <a:schemeClr val="tx1">
-                    <a:lumMod val="75000"/>
-                    <a:lumOff val="25000"/>
-                  </a:schemeClr>
-                </a:solidFill>
+              <a:rPr lang="en-US" altLang="ko-KR" b="1" u="sng" dirty="0">
                 <a:latin typeface="Arial" pitchFamily="34" charset="0"/>
                 <a:cs typeface="Arial" pitchFamily="34" charset="0"/>
               </a:rPr>
-              <a:t>Standard (4:3)</a:t>
-            </a:r>
-          </a:p>
-        </p:txBody>
-      </p:sp>
-      <p:sp>
-        <p:nvSpPr>
-          <p:cNvPr id="7" name="Content Placeholder 6"/>
-          <p:cNvSpPr>
-            <a:spLocks noGrp="1"/>
-          </p:cNvSpPr>
-          <p:nvPr>
-            <p:ph idx="10"/>
-          </p:nvPr>
-        </p:nvSpPr>
-        <p:spPr/>
-        <p:txBody>
-          <a:bodyPr/>
-          <a:lstStyle/>
+              <a:t>Problem Statement:</a:t>
+            </a:r>
+          </a:p>
           <a:p>
             <a:r>
               <a:rPr lang="en-US" altLang="ko-KR" dirty="0">
                 <a:latin typeface="Arial" pitchFamily="34" charset="0"/>
                 <a:cs typeface="Arial" pitchFamily="34" charset="0"/>
               </a:rPr>
-              <a:t>This PowerPoint Template has clean and neutral design that can be adapted to any content and meets various market segments. With this many slides you are able to make a complete PowerPoint Presentation that best suit your needs. </a:t>
-            </a:r>
-          </a:p>
-          <a:p>
-            <a:pPr>
-              <a:buFont typeface="Wingdings" pitchFamily="2" charset="2"/>
-              <a:buChar char="ü"/>
-            </a:pPr>
-            <a:endParaRPr lang="en-US" altLang="ko-KR" dirty="0">
-              <a:latin typeface="Arial" pitchFamily="34" charset="0"/>
-              <a:cs typeface="Arial" pitchFamily="34" charset="0"/>
-            </a:endParaRPr>
-          </a:p>
-          <a:p>
+              <a:t>Devise a program to navigate a robot within a simulated warehouse.  The goal of the robot is to collect all the boxes and bring them back to the drop zone. Any collision with the walls or boxes are considered failure.</a:t>
+            </a:r>
+            <a:r>
+              <a:rPr lang="ko-KR" altLang="en-US" dirty="0">
+                <a:latin typeface="Arial" pitchFamily="34" charset="0"/>
+                <a:cs typeface="Arial" pitchFamily="34" charset="0"/>
+              </a:rPr>
+              <a:t>  </a:t>
+            </a:r>
             <a:r>
               <a:rPr lang="en-US" altLang="ko-KR" dirty="0">
                 <a:latin typeface="Arial" pitchFamily="34" charset="0"/>
                 <a:cs typeface="Arial" pitchFamily="34" charset="0"/>
               </a:rPr>
-              <a:t>This PowerPoint Template has clean and neutral design that can be adapted to any content and meets various market segments. With this many slides you are able to make a complete PowerPoint Presentation that best suit your needs.</a:t>
-            </a:r>
-          </a:p>
-          <a:p>
-            <a:endParaRPr lang="en-US" altLang="ko-KR" dirty="0">
-              <a:latin typeface="Arial" pitchFamily="34" charset="0"/>
-              <a:cs typeface="Arial" pitchFamily="34" charset="0"/>
-            </a:endParaRPr>
-          </a:p>
-          <a:p>
-            <a:r>
-              <a:rPr lang="en-US" altLang="ko-KR" dirty="0">
-                <a:latin typeface="Arial" pitchFamily="34" charset="0"/>
-                <a:cs typeface="Arial" pitchFamily="34" charset="0"/>
+              <a:t>The quicker (shorter path) the robot can collect all the boxes, the higher score the student receives. The program must work in various warehouses and box arrangements.  Exploration is not necessary – the robot already have knowledge of the locations of the boxes ahead of time.  </a:t>
+            </a:r>
+          </a:p>
+        </p:txBody>
+      </p:sp>
+      <p:pic>
+        <p:nvPicPr>
+          <p:cNvPr id="2" name="Picture 1">
+            <a:extLst>
+              <a:ext uri="{FF2B5EF4-FFF2-40B4-BE49-F238E27FC236}">
+                <a16:creationId xmlns:a16="http://schemas.microsoft.com/office/drawing/2014/main" id="{3EB57FFC-9603-4D65-9E3C-F10076F5E10A}"/>
+              </a:ext>
+            </a:extLst>
+          </p:cNvPr>
+          <p:cNvPicPr>
+            <a:picLocks noChangeAspect="1"/>
+          </p:cNvPicPr>
+          <p:nvPr/>
+        </p:nvPicPr>
+        <p:blipFill>
+          <a:blip r:embed="rId2"/>
+          <a:stretch>
+            <a:fillRect/>
+          </a:stretch>
+        </p:blipFill>
+        <p:spPr>
+          <a:xfrm>
+            <a:off x="3059832" y="3155778"/>
+            <a:ext cx="3057525" cy="2905125"/>
+          </a:xfrm>
+          <a:prstGeom prst="rect">
+            <a:avLst/>
+          </a:prstGeom>
+        </p:spPr>
+      </p:pic>
+      <p:cxnSp>
+        <p:nvCxnSpPr>
+          <p:cNvPr id="8" name="Straight Arrow Connector 7">
+            <a:extLst>
+              <a:ext uri="{FF2B5EF4-FFF2-40B4-BE49-F238E27FC236}">
+                <a16:creationId xmlns:a16="http://schemas.microsoft.com/office/drawing/2014/main" id="{C2256A88-B7E9-4D46-903A-0C43BF2BA544}"/>
+              </a:ext>
+            </a:extLst>
+          </p:cNvPr>
+          <p:cNvCxnSpPr>
+            <a:cxnSpLocks/>
+            <a:stCxn id="11" idx="0"/>
+          </p:cNvCxnSpPr>
+          <p:nvPr/>
+        </p:nvCxnSpPr>
+        <p:spPr>
+          <a:xfrm flipV="1">
+            <a:off x="4339102" y="5388027"/>
+            <a:ext cx="304906" cy="734340"/>
+          </a:xfrm>
+          <a:prstGeom prst="straightConnector1">
+            <a:avLst/>
+          </a:prstGeom>
+          <a:ln>
+            <a:tailEnd type="triangle"/>
+          </a:ln>
+          <a:effectLst/>
+        </p:spPr>
+        <p:style>
+          <a:lnRef idx="2">
+            <a:schemeClr val="accent1"/>
+          </a:lnRef>
+          <a:fillRef idx="0">
+            <a:schemeClr val="accent1"/>
+          </a:fillRef>
+          <a:effectRef idx="1">
+            <a:schemeClr val="accent1"/>
+          </a:effectRef>
+          <a:fontRef idx="minor">
+            <a:schemeClr val="tx1"/>
+          </a:fontRef>
+        </p:style>
+      </p:cxnSp>
+      <p:sp>
+        <p:nvSpPr>
+          <p:cNvPr id="11" name="TextBox 10">
+            <a:extLst>
+              <a:ext uri="{FF2B5EF4-FFF2-40B4-BE49-F238E27FC236}">
+                <a16:creationId xmlns:a16="http://schemas.microsoft.com/office/drawing/2014/main" id="{91ABA7EE-0B07-46FC-B1C9-7FDAB95E56DE}"/>
+              </a:ext>
+            </a:extLst>
+          </p:cNvPr>
+          <p:cNvSpPr txBox="1"/>
+          <p:nvPr/>
+        </p:nvSpPr>
+        <p:spPr>
+          <a:xfrm flipH="1">
+            <a:off x="2810340" y="6122367"/>
+            <a:ext cx="3057524" cy="600164"/>
+          </a:xfrm>
+          <a:prstGeom prst="rect">
+            <a:avLst/>
+          </a:prstGeom>
+        </p:spPr>
+        <p:style>
+          <a:lnRef idx="2">
+            <a:schemeClr val="accent1"/>
+          </a:lnRef>
+          <a:fillRef idx="1">
+            <a:schemeClr val="lt1"/>
+          </a:fillRef>
+          <a:effectRef idx="0">
+            <a:schemeClr val="accent1"/>
+          </a:effectRef>
+          <a:fontRef idx="minor">
+            <a:schemeClr val="dk1"/>
+          </a:fontRef>
+        </p:style>
+        <p:txBody>
+          <a:bodyPr wrap="square" rtlCol="0">
+            <a:spAutoFit/>
+          </a:bodyPr>
+          <a:lstStyle/>
+          <a:p>
+            <a:r>
+              <a:rPr lang="en-US" sz="1100" b="1" dirty="0">
+                <a:solidFill>
+                  <a:srgbClr val="00B050"/>
+                </a:solidFill>
               </a:rPr>
-              <a:t>This PowerPoint Template has clean and neutral design that can be adapted to any content and meets various market segments. With this many slides you are able to make a complete PowerPoint Presentation that best suit your needs.</a:t>
-            </a:r>
-            <a:endParaRPr lang="ko-KR" altLang="en-US" dirty="0">
-              <a:latin typeface="Arial" pitchFamily="34" charset="0"/>
-              <a:cs typeface="Arial" pitchFamily="34" charset="0"/>
-            </a:endParaRPr>
-          </a:p>
-          <a:p>
-            <a:endParaRPr lang="en-US" altLang="ko-KR" dirty="0">
-              <a:latin typeface="Arial" pitchFamily="34" charset="0"/>
-              <a:cs typeface="Arial" pitchFamily="34" charset="0"/>
-            </a:endParaRPr>
-          </a:p>
-          <a:p>
-            <a:r>
-              <a:rPr lang="en-US" altLang="ko-KR" dirty="0">
-                <a:latin typeface="Arial" pitchFamily="34" charset="0"/>
-                <a:cs typeface="Arial" pitchFamily="34" charset="0"/>
+              <a:t>GREEN </a:t>
+            </a:r>
+            <a:r>
+              <a:rPr lang="en-US" sz="1100" dirty="0"/>
+              <a:t>region represent all the position the robot can move to in a straight line.  More or less like the vision of the robot.</a:t>
+            </a:r>
+          </a:p>
+        </p:txBody>
+      </p:sp>
+      <p:cxnSp>
+        <p:nvCxnSpPr>
+          <p:cNvPr id="12" name="Straight Arrow Connector 11">
+            <a:extLst>
+              <a:ext uri="{FF2B5EF4-FFF2-40B4-BE49-F238E27FC236}">
+                <a16:creationId xmlns:a16="http://schemas.microsoft.com/office/drawing/2014/main" id="{BD0A00A4-3CA9-4353-8DE6-8EBD2164D260}"/>
+              </a:ext>
+            </a:extLst>
+          </p:cNvPr>
+          <p:cNvCxnSpPr>
+            <a:cxnSpLocks/>
+            <a:stCxn id="15" idx="3"/>
+          </p:cNvCxnSpPr>
+          <p:nvPr/>
+        </p:nvCxnSpPr>
+        <p:spPr>
+          <a:xfrm flipH="1">
+            <a:off x="5508105" y="4109763"/>
+            <a:ext cx="733680" cy="426569"/>
+          </a:xfrm>
+          <a:prstGeom prst="straightConnector1">
+            <a:avLst/>
+          </a:prstGeom>
+          <a:ln>
+            <a:tailEnd type="triangle"/>
+          </a:ln>
+          <a:effectLst/>
+        </p:spPr>
+        <p:style>
+          <a:lnRef idx="2">
+            <a:schemeClr val="accent1"/>
+          </a:lnRef>
+          <a:fillRef idx="0">
+            <a:schemeClr val="accent1"/>
+          </a:fillRef>
+          <a:effectRef idx="1">
+            <a:schemeClr val="accent1"/>
+          </a:effectRef>
+          <a:fontRef idx="minor">
+            <a:schemeClr val="tx1"/>
+          </a:fontRef>
+        </p:style>
+      </p:cxnSp>
+      <p:sp>
+        <p:nvSpPr>
+          <p:cNvPr id="15" name="TextBox 14">
+            <a:extLst>
+              <a:ext uri="{FF2B5EF4-FFF2-40B4-BE49-F238E27FC236}">
+                <a16:creationId xmlns:a16="http://schemas.microsoft.com/office/drawing/2014/main" id="{0577B671-376F-456C-9927-E3D4FDBBC186}"/>
+              </a:ext>
+            </a:extLst>
+          </p:cNvPr>
+          <p:cNvSpPr txBox="1"/>
+          <p:nvPr/>
+        </p:nvSpPr>
+        <p:spPr>
+          <a:xfrm flipH="1">
+            <a:off x="6241785" y="3894319"/>
+            <a:ext cx="1062491" cy="430887"/>
+          </a:xfrm>
+          <a:prstGeom prst="rect">
+            <a:avLst/>
+          </a:prstGeom>
+        </p:spPr>
+        <p:style>
+          <a:lnRef idx="2">
+            <a:schemeClr val="accent1"/>
+          </a:lnRef>
+          <a:fillRef idx="1">
+            <a:schemeClr val="lt1"/>
+          </a:fillRef>
+          <a:effectRef idx="0">
+            <a:schemeClr val="accent1"/>
+          </a:effectRef>
+          <a:fontRef idx="minor">
+            <a:schemeClr val="dk1"/>
+          </a:fontRef>
+        </p:style>
+        <p:txBody>
+          <a:bodyPr wrap="square" rtlCol="0">
+            <a:spAutoFit/>
+          </a:bodyPr>
+          <a:lstStyle/>
+          <a:p>
+            <a:r>
+              <a:rPr lang="en-US" sz="1100" dirty="0"/>
+              <a:t>Boxes to be picked up</a:t>
+            </a:r>
+          </a:p>
+        </p:txBody>
+      </p:sp>
+      <p:cxnSp>
+        <p:nvCxnSpPr>
+          <p:cNvPr id="16" name="Straight Arrow Connector 15">
+            <a:extLst>
+              <a:ext uri="{FF2B5EF4-FFF2-40B4-BE49-F238E27FC236}">
+                <a16:creationId xmlns:a16="http://schemas.microsoft.com/office/drawing/2014/main" id="{B8E1F7DB-BA2E-426C-BCCE-5BF51227355D}"/>
+              </a:ext>
+            </a:extLst>
+          </p:cNvPr>
+          <p:cNvCxnSpPr>
+            <a:cxnSpLocks/>
+            <a:stCxn id="15" idx="3"/>
+          </p:cNvCxnSpPr>
+          <p:nvPr/>
+        </p:nvCxnSpPr>
+        <p:spPr>
+          <a:xfrm flipH="1" flipV="1">
+            <a:off x="4133269" y="3515819"/>
+            <a:ext cx="2108516" cy="593944"/>
+          </a:xfrm>
+          <a:prstGeom prst="straightConnector1">
+            <a:avLst/>
+          </a:prstGeom>
+          <a:ln>
+            <a:tailEnd type="triangle"/>
+          </a:ln>
+          <a:effectLst/>
+        </p:spPr>
+        <p:style>
+          <a:lnRef idx="2">
+            <a:schemeClr val="accent1"/>
+          </a:lnRef>
+          <a:fillRef idx="0">
+            <a:schemeClr val="accent1"/>
+          </a:fillRef>
+          <a:effectRef idx="1">
+            <a:schemeClr val="accent1"/>
+          </a:effectRef>
+          <a:fontRef idx="minor">
+            <a:schemeClr val="tx1"/>
+          </a:fontRef>
+        </p:style>
+      </p:cxnSp>
+      <p:sp>
+        <p:nvSpPr>
+          <p:cNvPr id="23" name="TextBox 22">
+            <a:extLst>
+              <a:ext uri="{FF2B5EF4-FFF2-40B4-BE49-F238E27FC236}">
+                <a16:creationId xmlns:a16="http://schemas.microsoft.com/office/drawing/2014/main" id="{2A6A1DD1-879A-4D13-9F79-D1F78BA51D74}"/>
+              </a:ext>
+            </a:extLst>
+          </p:cNvPr>
+          <p:cNvSpPr txBox="1"/>
+          <p:nvPr/>
+        </p:nvSpPr>
+        <p:spPr>
+          <a:xfrm flipH="1">
+            <a:off x="323528" y="4236250"/>
+            <a:ext cx="2376264" cy="600164"/>
+          </a:xfrm>
+          <a:prstGeom prst="rect">
+            <a:avLst/>
+          </a:prstGeom>
+        </p:spPr>
+        <p:style>
+          <a:lnRef idx="2">
+            <a:schemeClr val="accent1"/>
+          </a:lnRef>
+          <a:fillRef idx="1">
+            <a:schemeClr val="lt1"/>
+          </a:fillRef>
+          <a:effectRef idx="0">
+            <a:schemeClr val="accent1"/>
+          </a:effectRef>
+          <a:fontRef idx="minor">
+            <a:schemeClr val="dk1"/>
+          </a:fontRef>
+        </p:style>
+        <p:txBody>
+          <a:bodyPr wrap="square" rtlCol="0">
+            <a:spAutoFit/>
+          </a:bodyPr>
+          <a:lstStyle/>
+          <a:p>
+            <a:r>
+              <a:rPr lang="en-US" sz="1100" dirty="0"/>
+              <a:t>Robot should take caution to not travel into </a:t>
+            </a:r>
+            <a:r>
+              <a:rPr lang="en-US" sz="1100" b="1" dirty="0">
+                <a:solidFill>
+                  <a:srgbClr val="F2B800"/>
+                </a:solidFill>
               </a:rPr>
-              <a:t>This PowerPoint Template has clean and neutral design that can be adapted to any content and meets various market segments. With this many slides you are able to make a complete PowerPoint Presentation that best suit your needs.</a:t>
-            </a:r>
-            <a:endParaRPr lang="ko-KR" altLang="en-US" dirty="0">
-              <a:latin typeface="Arial" pitchFamily="34" charset="0"/>
-              <a:cs typeface="Arial" pitchFamily="34" charset="0"/>
-            </a:endParaRPr>
-          </a:p>
-        </p:txBody>
-      </p:sp>
+              <a:t>LIGHT YELLOW </a:t>
+            </a:r>
+            <a:r>
+              <a:rPr lang="en-US" sz="1100" dirty="0"/>
+              <a:t>region in order to prevent collision</a:t>
+            </a:r>
+          </a:p>
+        </p:txBody>
+      </p:sp>
+      <p:cxnSp>
+        <p:nvCxnSpPr>
+          <p:cNvPr id="24" name="Straight Arrow Connector 23">
+            <a:extLst>
+              <a:ext uri="{FF2B5EF4-FFF2-40B4-BE49-F238E27FC236}">
+                <a16:creationId xmlns:a16="http://schemas.microsoft.com/office/drawing/2014/main" id="{F64E3AC5-FDD0-4924-A42A-5165534DF397}"/>
+              </a:ext>
+            </a:extLst>
+          </p:cNvPr>
+          <p:cNvCxnSpPr>
+            <a:cxnSpLocks/>
+            <a:stCxn id="23" idx="1"/>
+          </p:cNvCxnSpPr>
+          <p:nvPr/>
+        </p:nvCxnSpPr>
+        <p:spPr>
+          <a:xfrm flipV="1">
+            <a:off x="2699792" y="3645030"/>
+            <a:ext cx="1224136" cy="891302"/>
+          </a:xfrm>
+          <a:prstGeom prst="straightConnector1">
+            <a:avLst/>
+          </a:prstGeom>
+          <a:ln>
+            <a:tailEnd type="triangle"/>
+          </a:ln>
+          <a:effectLst/>
+        </p:spPr>
+        <p:style>
+          <a:lnRef idx="2">
+            <a:schemeClr val="accent1"/>
+          </a:lnRef>
+          <a:fillRef idx="0">
+            <a:schemeClr val="accent1"/>
+          </a:fillRef>
+          <a:effectRef idx="1">
+            <a:schemeClr val="accent1"/>
+          </a:effectRef>
+          <a:fontRef idx="minor">
+            <a:schemeClr val="tx1"/>
+          </a:fontRef>
+        </p:style>
+      </p:cxnSp>
+      <p:cxnSp>
+        <p:nvCxnSpPr>
+          <p:cNvPr id="29" name="Straight Arrow Connector 28">
+            <a:extLst>
+              <a:ext uri="{FF2B5EF4-FFF2-40B4-BE49-F238E27FC236}">
+                <a16:creationId xmlns:a16="http://schemas.microsoft.com/office/drawing/2014/main" id="{31287D4E-4195-4EB0-AFFF-2097469BE764}"/>
+              </a:ext>
+            </a:extLst>
+          </p:cNvPr>
+          <p:cNvCxnSpPr>
+            <a:cxnSpLocks/>
+            <a:stCxn id="23" idx="1"/>
+          </p:cNvCxnSpPr>
+          <p:nvPr/>
+        </p:nvCxnSpPr>
+        <p:spPr>
+          <a:xfrm flipV="1">
+            <a:off x="2699792" y="4441310"/>
+            <a:ext cx="2592288" cy="95022"/>
+          </a:xfrm>
+          <a:prstGeom prst="straightConnector1">
+            <a:avLst/>
+          </a:prstGeom>
+          <a:ln>
+            <a:tailEnd type="triangle"/>
+          </a:ln>
+          <a:effectLst/>
+        </p:spPr>
+        <p:style>
+          <a:lnRef idx="2">
+            <a:schemeClr val="accent1"/>
+          </a:lnRef>
+          <a:fillRef idx="0">
+            <a:schemeClr val="accent1"/>
+          </a:fillRef>
+          <a:effectRef idx="1">
+            <a:schemeClr val="accent1"/>
+          </a:effectRef>
+          <a:fontRef idx="minor">
+            <a:schemeClr val="tx1"/>
+          </a:fontRef>
+        </p:style>
+      </p:cxnSp>
+      <p:sp>
+        <p:nvSpPr>
+          <p:cNvPr id="32" name="TextBox 31">
+            <a:extLst>
+              <a:ext uri="{FF2B5EF4-FFF2-40B4-BE49-F238E27FC236}">
+                <a16:creationId xmlns:a16="http://schemas.microsoft.com/office/drawing/2014/main" id="{05355677-6630-497C-B122-CD38D330542A}"/>
+              </a:ext>
+            </a:extLst>
+          </p:cNvPr>
+          <p:cNvSpPr txBox="1"/>
+          <p:nvPr/>
+        </p:nvSpPr>
+        <p:spPr>
+          <a:xfrm flipH="1">
+            <a:off x="6657922" y="4763538"/>
+            <a:ext cx="1493179" cy="600164"/>
+          </a:xfrm>
+          <a:prstGeom prst="rect">
+            <a:avLst/>
+          </a:prstGeom>
+        </p:spPr>
+        <p:style>
+          <a:lnRef idx="2">
+            <a:schemeClr val="accent1"/>
+          </a:lnRef>
+          <a:fillRef idx="1">
+            <a:schemeClr val="lt1"/>
+          </a:fillRef>
+          <a:effectRef idx="0">
+            <a:schemeClr val="accent1"/>
+          </a:effectRef>
+          <a:fontRef idx="minor">
+            <a:schemeClr val="dk1"/>
+          </a:fontRef>
+        </p:style>
+        <p:txBody>
+          <a:bodyPr wrap="square" rtlCol="0">
+            <a:spAutoFit/>
+          </a:bodyPr>
+          <a:lstStyle/>
+          <a:p>
+            <a:r>
+              <a:rPr lang="en-US" sz="1100" b="1" dirty="0">
+                <a:solidFill>
+                  <a:schemeClr val="tx2">
+                    <a:lumMod val="60000"/>
+                    <a:lumOff val="40000"/>
+                  </a:schemeClr>
+                </a:solidFill>
+              </a:rPr>
+              <a:t>LIGHT BLUE </a:t>
+            </a:r>
+            <a:r>
+              <a:rPr lang="en-US" sz="1100" dirty="0"/>
+              <a:t>region </a:t>
+            </a:r>
+          </a:p>
+          <a:p>
+            <a:r>
+              <a:rPr lang="en-US" sz="1100" dirty="0"/>
+              <a:t>represent the reach of the robot.  </a:t>
+            </a:r>
+          </a:p>
+        </p:txBody>
+      </p:sp>
+      <p:cxnSp>
+        <p:nvCxnSpPr>
+          <p:cNvPr id="33" name="Straight Arrow Connector 32">
+            <a:extLst>
+              <a:ext uri="{FF2B5EF4-FFF2-40B4-BE49-F238E27FC236}">
+                <a16:creationId xmlns:a16="http://schemas.microsoft.com/office/drawing/2014/main" id="{CDC6ECD3-B53F-453A-ABB6-06F1C7442337}"/>
+              </a:ext>
+            </a:extLst>
+          </p:cNvPr>
+          <p:cNvCxnSpPr>
+            <a:cxnSpLocks/>
+            <a:stCxn id="32" idx="3"/>
+          </p:cNvCxnSpPr>
+          <p:nvPr/>
+        </p:nvCxnSpPr>
+        <p:spPr>
+          <a:xfrm flipH="1">
+            <a:off x="5724128" y="5063620"/>
+            <a:ext cx="933794" cy="364354"/>
+          </a:xfrm>
+          <a:prstGeom prst="straightConnector1">
+            <a:avLst/>
+          </a:prstGeom>
+          <a:ln>
+            <a:tailEnd type="triangle"/>
+          </a:ln>
+          <a:effectLst/>
+        </p:spPr>
+        <p:style>
+          <a:lnRef idx="2">
+            <a:schemeClr val="accent1"/>
+          </a:lnRef>
+          <a:fillRef idx="0">
+            <a:schemeClr val="accent1"/>
+          </a:fillRef>
+          <a:effectRef idx="1">
+            <a:schemeClr val="accent1"/>
+          </a:effectRef>
+          <a:fontRef idx="minor">
+            <a:schemeClr val="tx1"/>
+          </a:fontRef>
+        </p:style>
+      </p:cxnSp>
+      <p:sp>
+        <p:nvSpPr>
+          <p:cNvPr id="39" name="TextBox 38">
+            <a:extLst>
+              <a:ext uri="{FF2B5EF4-FFF2-40B4-BE49-F238E27FC236}">
+                <a16:creationId xmlns:a16="http://schemas.microsoft.com/office/drawing/2014/main" id="{96A53EFC-834A-416D-8D2C-43BAEFE0DC40}"/>
+              </a:ext>
+            </a:extLst>
+          </p:cNvPr>
+          <p:cNvSpPr txBox="1"/>
+          <p:nvPr/>
+        </p:nvSpPr>
+        <p:spPr>
+          <a:xfrm flipH="1">
+            <a:off x="1187623" y="5355588"/>
+            <a:ext cx="1178567" cy="430887"/>
+          </a:xfrm>
+          <a:prstGeom prst="rect">
+            <a:avLst/>
+          </a:prstGeom>
+        </p:spPr>
+        <p:style>
+          <a:lnRef idx="2">
+            <a:schemeClr val="accent1"/>
+          </a:lnRef>
+          <a:fillRef idx="1">
+            <a:schemeClr val="lt1"/>
+          </a:fillRef>
+          <a:effectRef idx="0">
+            <a:schemeClr val="accent1"/>
+          </a:effectRef>
+          <a:fontRef idx="minor">
+            <a:schemeClr val="dk1"/>
+          </a:fontRef>
+        </p:style>
+        <p:txBody>
+          <a:bodyPr wrap="square" rtlCol="0">
+            <a:spAutoFit/>
+          </a:bodyPr>
+          <a:lstStyle/>
+          <a:p>
+            <a:r>
+              <a:rPr lang="en-US" sz="1100" b="1" dirty="0"/>
+              <a:t>BLACK </a:t>
+            </a:r>
+            <a:r>
+              <a:rPr lang="en-US" sz="1100" dirty="0"/>
+              <a:t>region are walls</a:t>
+            </a:r>
+          </a:p>
+        </p:txBody>
+      </p:sp>
+      <p:cxnSp>
+        <p:nvCxnSpPr>
+          <p:cNvPr id="40" name="Straight Arrow Connector 39">
+            <a:extLst>
+              <a:ext uri="{FF2B5EF4-FFF2-40B4-BE49-F238E27FC236}">
+                <a16:creationId xmlns:a16="http://schemas.microsoft.com/office/drawing/2014/main" id="{40946003-0CDD-4F9D-88F1-295777433584}"/>
+              </a:ext>
+            </a:extLst>
+          </p:cNvPr>
+          <p:cNvCxnSpPr>
+            <a:cxnSpLocks/>
+            <a:stCxn id="39" idx="1"/>
+          </p:cNvCxnSpPr>
+          <p:nvPr/>
+        </p:nvCxnSpPr>
+        <p:spPr>
+          <a:xfrm flipV="1">
+            <a:off x="2366190" y="5085188"/>
+            <a:ext cx="1053682" cy="485844"/>
+          </a:xfrm>
+          <a:prstGeom prst="straightConnector1">
+            <a:avLst/>
+          </a:prstGeom>
+          <a:ln>
+            <a:tailEnd type="triangle"/>
+          </a:ln>
+          <a:effectLst/>
+        </p:spPr>
+        <p:style>
+          <a:lnRef idx="2">
+            <a:schemeClr val="accent1"/>
+          </a:lnRef>
+          <a:fillRef idx="0">
+            <a:schemeClr val="accent1"/>
+          </a:fillRef>
+          <a:effectRef idx="1">
+            <a:schemeClr val="accent1"/>
+          </a:effectRef>
+          <a:fontRef idx="minor">
+            <a:schemeClr val="tx1"/>
+          </a:fontRef>
+        </p:style>
+      </p:cxnSp>
+      <p:sp>
+        <p:nvSpPr>
+          <p:cNvPr id="46" name="TextBox 45">
+            <a:extLst>
+              <a:ext uri="{FF2B5EF4-FFF2-40B4-BE49-F238E27FC236}">
+                <a16:creationId xmlns:a16="http://schemas.microsoft.com/office/drawing/2014/main" id="{A8FA32E3-FE95-47EF-A007-A5DC10C4D897}"/>
+              </a:ext>
+            </a:extLst>
+          </p:cNvPr>
+          <p:cNvSpPr txBox="1"/>
+          <p:nvPr/>
+        </p:nvSpPr>
+        <p:spPr>
+          <a:xfrm flipH="1">
+            <a:off x="6477396" y="5976826"/>
+            <a:ext cx="1550988" cy="600164"/>
+          </a:xfrm>
+          <a:prstGeom prst="rect">
+            <a:avLst/>
+          </a:prstGeom>
+        </p:spPr>
+        <p:style>
+          <a:lnRef idx="2">
+            <a:schemeClr val="accent1"/>
+          </a:lnRef>
+          <a:fillRef idx="1">
+            <a:schemeClr val="lt1"/>
+          </a:fillRef>
+          <a:effectRef idx="0">
+            <a:schemeClr val="accent1"/>
+          </a:effectRef>
+          <a:fontRef idx="minor">
+            <a:schemeClr val="dk1"/>
+          </a:fontRef>
+        </p:style>
+        <p:txBody>
+          <a:bodyPr wrap="square" rtlCol="0">
+            <a:spAutoFit/>
+          </a:bodyPr>
+          <a:lstStyle/>
+          <a:p>
+            <a:r>
+              <a:rPr lang="en-US" sz="1100" dirty="0"/>
+              <a:t>Robot, also the initial </a:t>
+            </a:r>
+          </a:p>
+          <a:p>
+            <a:r>
+              <a:rPr lang="en-US" sz="1100" dirty="0"/>
+              <a:t>position as well as </a:t>
+            </a:r>
+          </a:p>
+          <a:p>
+            <a:r>
+              <a:rPr lang="en-US" sz="1100" dirty="0"/>
+              <a:t>drop zone</a:t>
+            </a:r>
+          </a:p>
+        </p:txBody>
+      </p:sp>
+      <p:cxnSp>
+        <p:nvCxnSpPr>
+          <p:cNvPr id="48" name="Straight Arrow Connector 47">
+            <a:extLst>
+              <a:ext uri="{FF2B5EF4-FFF2-40B4-BE49-F238E27FC236}">
+                <a16:creationId xmlns:a16="http://schemas.microsoft.com/office/drawing/2014/main" id="{62844CC4-4AC2-4F45-B88E-B0A9570D61EB}"/>
+              </a:ext>
+            </a:extLst>
+          </p:cNvPr>
+          <p:cNvCxnSpPr>
+            <a:cxnSpLocks/>
+            <a:stCxn id="46" idx="3"/>
+          </p:cNvCxnSpPr>
+          <p:nvPr/>
+        </p:nvCxnSpPr>
+        <p:spPr>
+          <a:xfrm flipH="1" flipV="1">
+            <a:off x="5724128" y="5606622"/>
+            <a:ext cx="753268" cy="670286"/>
+          </a:xfrm>
+          <a:prstGeom prst="straightConnector1">
+            <a:avLst/>
+          </a:prstGeom>
+          <a:ln>
+            <a:tailEnd type="triangle"/>
+          </a:ln>
+          <a:effectLst/>
+        </p:spPr>
+        <p:style>
+          <a:lnRef idx="2">
+            <a:schemeClr val="accent1"/>
+          </a:lnRef>
+          <a:fillRef idx="0">
+            <a:schemeClr val="accent1"/>
+          </a:fillRef>
+          <a:effectRef idx="1">
+            <a:schemeClr val="accent1"/>
+          </a:effectRef>
+          <a:fontRef idx="minor">
+            <a:schemeClr val="tx1"/>
+          </a:fontRef>
+        </p:style>
+      </p:cxnSp>
     </p:spTree>
     <p:extLst>
       <p:ext uri="{BB962C8B-B14F-4D97-AF65-F5344CB8AC3E}">
@@ -4228,130 +5437,1703 @@
             <p:ph type="title"/>
           </p:nvPr>
         </p:nvSpPr>
+        <p:spPr>
+          <a:xfrm>
+            <a:off x="467544" y="16778"/>
+            <a:ext cx="8676456" cy="1069514"/>
+          </a:xfrm>
+        </p:spPr>
+        <p:txBody>
+          <a:bodyPr/>
+          <a:lstStyle/>
+          <a:p>
+            <a:r>
+              <a:rPr lang="en-US" altLang="ko-KR" dirty="0"/>
+              <a:t>Solution</a:t>
+            </a:r>
+            <a:endParaRPr lang="ko-KR" altLang="en-US" dirty="0"/>
+          </a:p>
+        </p:txBody>
+      </p:sp>
+      <p:sp>
+        <p:nvSpPr>
+          <p:cNvPr id="6" name="Content Placeholder 5"/>
+          <p:cNvSpPr>
+            <a:spLocks noGrp="1"/>
+          </p:cNvSpPr>
+          <p:nvPr>
+            <p:ph idx="1"/>
+          </p:nvPr>
+        </p:nvSpPr>
         <p:spPr/>
         <p:txBody>
           <a:bodyPr/>
           <a:lstStyle/>
           <a:p>
             <a:r>
-              <a:rPr lang="en-US" altLang="ko-KR" dirty="0"/>
-              <a:t> Click to add title</a:t>
-            </a:r>
-            <a:endParaRPr lang="ko-KR" altLang="en-US" dirty="0"/>
-          </a:p>
-        </p:txBody>
-      </p:sp>
-      <p:sp>
-        <p:nvSpPr>
-          <p:cNvPr id="12" name="Content Placeholder 11"/>
-          <p:cNvSpPr>
-            <a:spLocks noGrp="1"/>
-          </p:cNvSpPr>
-          <p:nvPr>
-            <p:ph idx="1"/>
-          </p:nvPr>
-        </p:nvSpPr>
-        <p:spPr/>
-        <p:txBody>
-          <a:bodyPr/>
-          <a:lstStyle/>
-          <a:p>
-            <a:r>
               <a:rPr lang="en-US" b="1" dirty="0"/>
-              <a:t>Free PPT Templates - </a:t>
-            </a:r>
-            <a:r>
-              <a:rPr lang="en-US" altLang="ko-KR" b="1" dirty="0">
-                <a:latin typeface="Arial" pitchFamily="34" charset="0"/>
-                <a:cs typeface="Arial" pitchFamily="34" charset="0"/>
-              </a:rPr>
-              <a:t>Standard (4:3)</a:t>
-            </a:r>
-          </a:p>
-        </p:txBody>
-      </p:sp>
-      <p:sp>
-        <p:nvSpPr>
-          <p:cNvPr id="13" name="Content Placeholder 12"/>
-          <p:cNvSpPr>
-            <a:spLocks noGrp="1"/>
-          </p:cNvSpPr>
-          <p:nvPr>
-            <p:ph idx="10"/>
-          </p:nvPr>
-        </p:nvSpPr>
-        <p:spPr/>
-        <p:txBody>
-          <a:bodyPr/>
-          <a:lstStyle/>
+              <a:t>	</a:t>
+            </a:r>
+            <a:endParaRPr lang="en-US" altLang="ko-KR" b="1" dirty="0">
+              <a:solidFill>
+                <a:schemeClr val="tx1">
+                  <a:lumMod val="75000"/>
+                  <a:lumOff val="25000"/>
+                </a:schemeClr>
+              </a:solidFill>
+              <a:latin typeface="Arial" pitchFamily="34" charset="0"/>
+              <a:cs typeface="Arial" pitchFamily="34" charset="0"/>
+            </a:endParaRPr>
+          </a:p>
+        </p:txBody>
+      </p:sp>
+      <p:pic>
+        <p:nvPicPr>
+          <p:cNvPr id="11" name="Picture 10">
+            <a:extLst>
+              <a:ext uri="{FF2B5EF4-FFF2-40B4-BE49-F238E27FC236}">
+                <a16:creationId xmlns:a16="http://schemas.microsoft.com/office/drawing/2014/main" id="{24950CF8-772B-4C09-817A-325A8428EC98}"/>
+              </a:ext>
+            </a:extLst>
+          </p:cNvPr>
+          <p:cNvPicPr>
+            <a:picLocks noChangeAspect="1"/>
+          </p:cNvPicPr>
+          <p:nvPr/>
+        </p:nvPicPr>
+        <p:blipFill>
+          <a:blip r:embed="rId3"/>
+          <a:stretch>
+            <a:fillRect/>
+          </a:stretch>
+        </p:blipFill>
+        <p:spPr>
+          <a:xfrm>
+            <a:off x="539552" y="2924944"/>
+            <a:ext cx="3057525" cy="2905125"/>
+          </a:xfrm>
+          <a:prstGeom prst="rect">
+            <a:avLst/>
+          </a:prstGeom>
+        </p:spPr>
+      </p:pic>
+      <p:pic>
+        <p:nvPicPr>
+          <p:cNvPr id="12" name="Picture 11">
+            <a:extLst>
+              <a:ext uri="{FF2B5EF4-FFF2-40B4-BE49-F238E27FC236}">
+                <a16:creationId xmlns:a16="http://schemas.microsoft.com/office/drawing/2014/main" id="{394D87B5-3DDC-4EEB-B8F5-75C2BD9321AA}"/>
+              </a:ext>
+            </a:extLst>
+          </p:cNvPr>
+          <p:cNvPicPr>
+            <a:picLocks noChangeAspect="1"/>
+          </p:cNvPicPr>
+          <p:nvPr/>
+        </p:nvPicPr>
+        <p:blipFill>
+          <a:blip r:embed="rId3"/>
+          <a:stretch>
+            <a:fillRect/>
+          </a:stretch>
+        </p:blipFill>
+        <p:spPr>
+          <a:xfrm>
+            <a:off x="5258891" y="2924943"/>
+            <a:ext cx="3057525" cy="2905125"/>
+          </a:xfrm>
+          <a:prstGeom prst="rect">
+            <a:avLst/>
+          </a:prstGeom>
+        </p:spPr>
+      </p:pic>
+      <p:sp>
+        <p:nvSpPr>
+          <p:cNvPr id="51" name="Content Placeholder 6">
+            <a:extLst>
+              <a:ext uri="{FF2B5EF4-FFF2-40B4-BE49-F238E27FC236}">
+                <a16:creationId xmlns:a16="http://schemas.microsoft.com/office/drawing/2014/main" id="{EE813095-3ED9-4F42-8D2E-21CBC129818F}"/>
+              </a:ext>
+            </a:extLst>
+          </p:cNvPr>
+          <p:cNvSpPr txBox="1">
+            <a:spLocks/>
+          </p:cNvSpPr>
+          <p:nvPr/>
+        </p:nvSpPr>
+        <p:spPr>
+          <a:xfrm>
+            <a:off x="467544" y="1484784"/>
+            <a:ext cx="8229600" cy="1358299"/>
+          </a:xfrm>
+          <a:prstGeom prst="rect">
+            <a:avLst/>
+          </a:prstGeom>
+        </p:spPr>
+        <p:txBody>
+          <a:bodyPr lIns="396000" anchor="t"/>
+          <a:lstStyle>
+            <a:lvl1pPr marL="0" indent="0" algn="l" defTabSz="914400" rtl="0" eaLnBrk="1" latinLnBrk="1" hangingPunct="1">
+              <a:spcBef>
+                <a:spcPct val="20000"/>
+              </a:spcBef>
+              <a:buFont typeface="Arial" pitchFamily="34" charset="0"/>
+              <a:buNone/>
+              <a:defRPr sz="1400" kern="1200">
+                <a:solidFill>
+                  <a:schemeClr val="tx1">
+                    <a:lumMod val="75000"/>
+                    <a:lumOff val="25000"/>
+                  </a:schemeClr>
+                </a:solidFill>
+                <a:latin typeface="+mn-lt"/>
+                <a:ea typeface="+mn-ea"/>
+                <a:cs typeface="+mn-cs"/>
+              </a:defRPr>
+            </a:lvl1pPr>
+            <a:lvl2pPr marL="742950" indent="-285750" algn="l" defTabSz="914400" rtl="0" eaLnBrk="1" latinLnBrk="1" hangingPunct="1">
+              <a:spcBef>
+                <a:spcPct val="20000"/>
+              </a:spcBef>
+              <a:buFont typeface="Arial" pitchFamily="34" charset="0"/>
+              <a:buChar char="–"/>
+              <a:defRPr sz="2800" kern="1200">
+                <a:solidFill>
+                  <a:schemeClr val="tx1"/>
+                </a:solidFill>
+                <a:latin typeface="+mn-lt"/>
+                <a:ea typeface="+mn-ea"/>
+                <a:cs typeface="+mn-cs"/>
+              </a:defRPr>
+            </a:lvl2pPr>
+            <a:lvl3pPr marL="1143000" indent="-228600" algn="l" defTabSz="914400" rtl="0" eaLnBrk="1" latinLnBrk="1" hangingPunct="1">
+              <a:spcBef>
+                <a:spcPct val="20000"/>
+              </a:spcBef>
+              <a:buFont typeface="Arial" pitchFamily="34" charset="0"/>
+              <a:buChar char="•"/>
+              <a:defRPr sz="2400" kern="1200">
+                <a:solidFill>
+                  <a:schemeClr val="tx1"/>
+                </a:solidFill>
+                <a:latin typeface="+mn-lt"/>
+                <a:ea typeface="+mn-ea"/>
+                <a:cs typeface="+mn-cs"/>
+              </a:defRPr>
+            </a:lvl3pPr>
+            <a:lvl4pPr marL="1600200" indent="-228600" algn="l" defTabSz="914400" rtl="0" eaLnBrk="1" latinLnBrk="1" hangingPunct="1">
+              <a:spcBef>
+                <a:spcPct val="20000"/>
+              </a:spcBef>
+              <a:buFont typeface="Arial" pitchFamily="34" charset="0"/>
+              <a:buChar char="–"/>
+              <a:defRPr sz="2000" kern="1200">
+                <a:solidFill>
+                  <a:schemeClr val="tx1"/>
+                </a:solidFill>
+                <a:latin typeface="+mn-lt"/>
+                <a:ea typeface="+mn-ea"/>
+                <a:cs typeface="+mn-cs"/>
+              </a:defRPr>
+            </a:lvl4pPr>
+            <a:lvl5pPr marL="2057400" indent="-228600" algn="l" defTabSz="914400" rtl="0" eaLnBrk="1" latinLnBrk="1" hangingPunct="1">
+              <a:spcBef>
+                <a:spcPct val="20000"/>
+              </a:spcBef>
+              <a:buFont typeface="Arial" pitchFamily="34" charset="0"/>
+              <a:buChar char="»"/>
+              <a:defRPr sz="2000" kern="1200">
+                <a:solidFill>
+                  <a:schemeClr val="tx1"/>
+                </a:solidFill>
+                <a:latin typeface="+mn-lt"/>
+                <a:ea typeface="+mn-ea"/>
+                <a:cs typeface="+mn-cs"/>
+              </a:defRPr>
+            </a:lvl5pPr>
+            <a:lvl6pPr marL="2514600" indent="-228600" algn="l" defTabSz="914400" rtl="0" eaLnBrk="1" latinLnBrk="1" hangingPunct="1">
+              <a:spcBef>
+                <a:spcPct val="20000"/>
+              </a:spcBef>
+              <a:buFont typeface="Arial" pitchFamily="34" charset="0"/>
+              <a:buChar char="•"/>
+              <a:defRPr sz="2000" kern="1200">
+                <a:solidFill>
+                  <a:schemeClr val="tx1"/>
+                </a:solidFill>
+                <a:latin typeface="+mn-lt"/>
+                <a:ea typeface="+mn-ea"/>
+                <a:cs typeface="+mn-cs"/>
+              </a:defRPr>
+            </a:lvl6pPr>
+            <a:lvl7pPr marL="2971800" indent="-228600" algn="l" defTabSz="914400" rtl="0" eaLnBrk="1" latinLnBrk="1" hangingPunct="1">
+              <a:spcBef>
+                <a:spcPct val="20000"/>
+              </a:spcBef>
+              <a:buFont typeface="Arial" pitchFamily="34" charset="0"/>
+              <a:buChar char="•"/>
+              <a:defRPr sz="2000" kern="1200">
+                <a:solidFill>
+                  <a:schemeClr val="tx1"/>
+                </a:solidFill>
+                <a:latin typeface="+mn-lt"/>
+                <a:ea typeface="+mn-ea"/>
+                <a:cs typeface="+mn-cs"/>
+              </a:defRPr>
+            </a:lvl7pPr>
+            <a:lvl8pPr marL="3429000" indent="-228600" algn="l" defTabSz="914400" rtl="0" eaLnBrk="1" latinLnBrk="1" hangingPunct="1">
+              <a:spcBef>
+                <a:spcPct val="20000"/>
+              </a:spcBef>
+              <a:buFont typeface="Arial" pitchFamily="34" charset="0"/>
+              <a:buChar char="•"/>
+              <a:defRPr sz="2000" kern="1200">
+                <a:solidFill>
+                  <a:schemeClr val="tx1"/>
+                </a:solidFill>
+                <a:latin typeface="+mn-lt"/>
+                <a:ea typeface="+mn-ea"/>
+                <a:cs typeface="+mn-cs"/>
+              </a:defRPr>
+            </a:lvl8pPr>
+            <a:lvl9pPr marL="3886200" indent="-228600" algn="l" defTabSz="914400" rtl="0" eaLnBrk="1" latinLnBrk="1" hangingPunct="1">
+              <a:spcBef>
+                <a:spcPct val="20000"/>
+              </a:spcBef>
+              <a:buFont typeface="Arial" pitchFamily="34" charset="0"/>
+              <a:buChar char="•"/>
+              <a:defRPr sz="2000" kern="1200">
+                <a:solidFill>
+                  <a:schemeClr val="tx1"/>
+                </a:solidFill>
+                <a:latin typeface="+mn-lt"/>
+                <a:ea typeface="+mn-ea"/>
+                <a:cs typeface="+mn-cs"/>
+              </a:defRPr>
+            </a:lvl9pPr>
+          </a:lstStyle>
           <a:p>
             <a:r>
               <a:rPr lang="en-US" altLang="ko-KR" dirty="0">
                 <a:latin typeface="Arial" pitchFamily="34" charset="0"/>
                 <a:cs typeface="Arial" pitchFamily="34" charset="0"/>
               </a:rPr>
-              <a:t>This PowerPoint Template has clean and neutral design that can be adapted to any content and meets various market segments. With this many slides you are able to make a complete PowerPoint Presentation that best suit your needs. </a:t>
-            </a:r>
-          </a:p>
-          <a:p>
-            <a:pPr>
-              <a:buFont typeface="Wingdings" pitchFamily="2" charset="2"/>
-              <a:buChar char="ü"/>
-            </a:pPr>
-            <a:endParaRPr lang="en-US" altLang="ko-KR" dirty="0">
-              <a:latin typeface="Arial" pitchFamily="34" charset="0"/>
-              <a:cs typeface="Arial" pitchFamily="34" charset="0"/>
-            </a:endParaRPr>
-          </a:p>
-          <a:p>
+              <a:t>To calculate the optimal path, the map of the warehouse is gridded into cells and A* is utilized to search for the path with the shortest cost. The use of </a:t>
+            </a:r>
+            <a:r>
+              <a:rPr lang="en-US" altLang="ko-KR" dirty="0" err="1">
+                <a:latin typeface="Arial" pitchFamily="34" charset="0"/>
+                <a:cs typeface="Arial" pitchFamily="34" charset="0"/>
+              </a:rPr>
+              <a:t>numpy</a:t>
+            </a:r>
             <a:r>
               <a:rPr lang="en-US" altLang="ko-KR" dirty="0">
                 <a:latin typeface="Arial" pitchFamily="34" charset="0"/>
                 <a:cs typeface="Arial" pitchFamily="34" charset="0"/>
               </a:rPr>
-              <a:t>This PowerPoint Template has clean and neutral design that can be adapted to any content and meets various market segments. With this many slides you are able to make a complete PowerPoint Presentation that best suit your needs.</a:t>
-            </a:r>
-          </a:p>
-          <a:p>
-            <a:endParaRPr lang="en-US" altLang="ko-KR" dirty="0">
-              <a:latin typeface="Arial" pitchFamily="34" charset="0"/>
-              <a:cs typeface="Arial" pitchFamily="34" charset="0"/>
-            </a:endParaRPr>
-          </a:p>
-          <a:p>
-            <a:r>
-              <a:rPr lang="en-US" altLang="ko-KR" dirty="0">
-                <a:latin typeface="Arial" pitchFamily="34" charset="0"/>
-                <a:cs typeface="Arial" pitchFamily="34" charset="0"/>
+              <a:t> and carefully selected heuristic function (continuous linear distance from the box) contributes significantly to the efficient performance of the program.</a:t>
+            </a:r>
+          </a:p>
+          <a:p>
+            <a:endParaRPr lang="en-US" dirty="0"/>
+          </a:p>
+        </p:txBody>
+      </p:sp>
+      <p:sp>
+        <p:nvSpPr>
+          <p:cNvPr id="53" name="Oval 52">
+            <a:extLst>
+              <a:ext uri="{FF2B5EF4-FFF2-40B4-BE49-F238E27FC236}">
+                <a16:creationId xmlns:a16="http://schemas.microsoft.com/office/drawing/2014/main" id="{46778F28-FEBB-4717-B922-50B8B7449AC4}"/>
+              </a:ext>
+            </a:extLst>
+          </p:cNvPr>
+          <p:cNvSpPr/>
+          <p:nvPr/>
+        </p:nvSpPr>
+        <p:spPr>
+          <a:xfrm>
+            <a:off x="4461172" y="1456210"/>
+            <a:ext cx="3767783" cy="3681628"/>
+          </a:xfrm>
+          <a:prstGeom prst="ellipse">
+            <a:avLst/>
+          </a:prstGeom>
+          <a:solidFill>
+            <a:schemeClr val="accent2">
+              <a:alpha val="10000"/>
+            </a:schemeClr>
+          </a:solidFill>
+          <a:ln>
+            <a:noFill/>
+          </a:ln>
+          <a:effectLst/>
+        </p:spPr>
+        <p:style>
+          <a:lnRef idx="0">
+            <a:scrgbClr r="0" g="0" b="0"/>
+          </a:lnRef>
+          <a:fillRef idx="0">
+            <a:scrgbClr r="0" g="0" b="0"/>
+          </a:fillRef>
+          <a:effectRef idx="0">
+            <a:scrgbClr r="0" g="0" b="0"/>
+          </a:effectRef>
+          <a:fontRef idx="minor">
+            <a:schemeClr val="lt1"/>
+          </a:fontRef>
+        </p:style>
+        <p:txBody>
+          <a:bodyPr rtlCol="0" anchor="ctr"/>
+          <a:lstStyle/>
+          <a:p>
+            <a:pPr algn="ctr"/>
+            <a:endParaRPr lang="en-US"/>
+          </a:p>
+        </p:txBody>
+      </p:sp>
+      <p:sp>
+        <p:nvSpPr>
+          <p:cNvPr id="54" name="Oval 53">
+            <a:extLst>
+              <a:ext uri="{FF2B5EF4-FFF2-40B4-BE49-F238E27FC236}">
+                <a16:creationId xmlns:a16="http://schemas.microsoft.com/office/drawing/2014/main" id="{6D2B9FD6-53C8-417B-A5D6-B030C946DFBE}"/>
+              </a:ext>
+            </a:extLst>
+          </p:cNvPr>
+          <p:cNvSpPr/>
+          <p:nvPr/>
+        </p:nvSpPr>
+        <p:spPr>
+          <a:xfrm>
+            <a:off x="4883622" y="1859827"/>
+            <a:ext cx="2965895" cy="2898075"/>
+          </a:xfrm>
+          <a:prstGeom prst="ellipse">
+            <a:avLst/>
+          </a:prstGeom>
+          <a:solidFill>
+            <a:schemeClr val="accent2">
+              <a:alpha val="10000"/>
+            </a:schemeClr>
+          </a:solidFill>
+          <a:ln>
+            <a:noFill/>
+          </a:ln>
+          <a:effectLst/>
+        </p:spPr>
+        <p:style>
+          <a:lnRef idx="0">
+            <a:scrgbClr r="0" g="0" b="0"/>
+          </a:lnRef>
+          <a:fillRef idx="0">
+            <a:scrgbClr r="0" g="0" b="0"/>
+          </a:fillRef>
+          <a:effectRef idx="0">
+            <a:scrgbClr r="0" g="0" b="0"/>
+          </a:effectRef>
+          <a:fontRef idx="minor">
+            <a:schemeClr val="lt1"/>
+          </a:fontRef>
+        </p:style>
+        <p:txBody>
+          <a:bodyPr rtlCol="0" anchor="ctr"/>
+          <a:lstStyle/>
+          <a:p>
+            <a:pPr algn="ctr"/>
+            <a:endParaRPr lang="en-US"/>
+          </a:p>
+        </p:txBody>
+      </p:sp>
+      <p:sp>
+        <p:nvSpPr>
+          <p:cNvPr id="55" name="Oval 54">
+            <a:extLst>
+              <a:ext uri="{FF2B5EF4-FFF2-40B4-BE49-F238E27FC236}">
+                <a16:creationId xmlns:a16="http://schemas.microsoft.com/office/drawing/2014/main" id="{DB923D67-DCA1-4510-B125-0793668DBF46}"/>
+              </a:ext>
+            </a:extLst>
+          </p:cNvPr>
+          <p:cNvSpPr/>
+          <p:nvPr/>
+        </p:nvSpPr>
+        <p:spPr>
+          <a:xfrm>
+            <a:off x="5231036" y="2187457"/>
+            <a:ext cx="2271065" cy="2219134"/>
+          </a:xfrm>
+          <a:prstGeom prst="ellipse">
+            <a:avLst/>
+          </a:prstGeom>
+          <a:solidFill>
+            <a:schemeClr val="accent2">
+              <a:alpha val="10000"/>
+            </a:schemeClr>
+          </a:solidFill>
+          <a:ln>
+            <a:noFill/>
+          </a:ln>
+          <a:effectLst/>
+        </p:spPr>
+        <p:style>
+          <a:lnRef idx="0">
+            <a:scrgbClr r="0" g="0" b="0"/>
+          </a:lnRef>
+          <a:fillRef idx="0">
+            <a:scrgbClr r="0" g="0" b="0"/>
+          </a:fillRef>
+          <a:effectRef idx="0">
+            <a:scrgbClr r="0" g="0" b="0"/>
+          </a:effectRef>
+          <a:fontRef idx="minor">
+            <a:schemeClr val="lt1"/>
+          </a:fontRef>
+        </p:style>
+        <p:txBody>
+          <a:bodyPr rtlCol="0" anchor="ctr"/>
+          <a:lstStyle/>
+          <a:p>
+            <a:pPr algn="ctr"/>
+            <a:endParaRPr lang="en-US"/>
+          </a:p>
+        </p:txBody>
+      </p:sp>
+      <p:sp>
+        <p:nvSpPr>
+          <p:cNvPr id="56" name="Oval 55">
+            <a:extLst>
+              <a:ext uri="{FF2B5EF4-FFF2-40B4-BE49-F238E27FC236}">
+                <a16:creationId xmlns:a16="http://schemas.microsoft.com/office/drawing/2014/main" id="{7C57E567-54ED-4502-94B8-78FA20EA846D}"/>
+              </a:ext>
+            </a:extLst>
+          </p:cNvPr>
+          <p:cNvSpPr/>
+          <p:nvPr/>
+        </p:nvSpPr>
+        <p:spPr>
+          <a:xfrm>
+            <a:off x="5449282" y="2398809"/>
+            <a:ext cx="1859022" cy="1816513"/>
+          </a:xfrm>
+          <a:prstGeom prst="ellipse">
+            <a:avLst/>
+          </a:prstGeom>
+          <a:solidFill>
+            <a:schemeClr val="accent2">
+              <a:alpha val="20000"/>
+            </a:schemeClr>
+          </a:solidFill>
+          <a:ln>
+            <a:noFill/>
+          </a:ln>
+          <a:effectLst/>
+        </p:spPr>
+        <p:style>
+          <a:lnRef idx="0">
+            <a:scrgbClr r="0" g="0" b="0"/>
+          </a:lnRef>
+          <a:fillRef idx="0">
+            <a:scrgbClr r="0" g="0" b="0"/>
+          </a:fillRef>
+          <a:effectRef idx="0">
+            <a:scrgbClr r="0" g="0" b="0"/>
+          </a:effectRef>
+          <a:fontRef idx="minor">
+            <a:schemeClr val="lt1"/>
+          </a:fontRef>
+        </p:style>
+        <p:txBody>
+          <a:bodyPr rtlCol="0" anchor="ctr"/>
+          <a:lstStyle/>
+          <a:p>
+            <a:pPr algn="ctr"/>
+            <a:endParaRPr lang="en-US"/>
+          </a:p>
+        </p:txBody>
+      </p:sp>
+      <p:sp>
+        <p:nvSpPr>
+          <p:cNvPr id="57" name="Oval 56">
+            <a:extLst>
+              <a:ext uri="{FF2B5EF4-FFF2-40B4-BE49-F238E27FC236}">
+                <a16:creationId xmlns:a16="http://schemas.microsoft.com/office/drawing/2014/main" id="{BAA1BD2E-BA31-4596-AE30-D449267918D1}"/>
+              </a:ext>
+            </a:extLst>
+          </p:cNvPr>
+          <p:cNvSpPr/>
+          <p:nvPr/>
+        </p:nvSpPr>
+        <p:spPr>
+          <a:xfrm>
+            <a:off x="5677157" y="2626991"/>
+            <a:ext cx="1390085" cy="1358299"/>
+          </a:xfrm>
+          <a:prstGeom prst="ellipse">
+            <a:avLst/>
+          </a:prstGeom>
+          <a:solidFill>
+            <a:schemeClr val="accent2">
+              <a:alpha val="30000"/>
+            </a:schemeClr>
+          </a:solidFill>
+          <a:ln>
+            <a:noFill/>
+          </a:ln>
+          <a:effectLst/>
+        </p:spPr>
+        <p:style>
+          <a:lnRef idx="0">
+            <a:scrgbClr r="0" g="0" b="0"/>
+          </a:lnRef>
+          <a:fillRef idx="0">
+            <a:scrgbClr r="0" g="0" b="0"/>
+          </a:fillRef>
+          <a:effectRef idx="0">
+            <a:scrgbClr r="0" g="0" b="0"/>
+          </a:effectRef>
+          <a:fontRef idx="minor">
+            <a:schemeClr val="lt1"/>
+          </a:fontRef>
+        </p:style>
+        <p:txBody>
+          <a:bodyPr rtlCol="0" anchor="ctr"/>
+          <a:lstStyle/>
+          <a:p>
+            <a:pPr algn="ctr"/>
+            <a:endParaRPr lang="en-US"/>
+          </a:p>
+        </p:txBody>
+      </p:sp>
+      <p:sp>
+        <p:nvSpPr>
+          <p:cNvPr id="58" name="Oval 57">
+            <a:extLst>
+              <a:ext uri="{FF2B5EF4-FFF2-40B4-BE49-F238E27FC236}">
+                <a16:creationId xmlns:a16="http://schemas.microsoft.com/office/drawing/2014/main" id="{9DCBCDFC-C891-469C-8326-4184B406209D}"/>
+              </a:ext>
+            </a:extLst>
+          </p:cNvPr>
+          <p:cNvSpPr/>
+          <p:nvPr/>
+        </p:nvSpPr>
+        <p:spPr>
+          <a:xfrm>
+            <a:off x="5913014" y="2873482"/>
+            <a:ext cx="864097" cy="844338"/>
+          </a:xfrm>
+          <a:prstGeom prst="ellipse">
+            <a:avLst/>
+          </a:prstGeom>
+          <a:solidFill>
+            <a:schemeClr val="accent2">
+              <a:alpha val="40000"/>
+            </a:schemeClr>
+          </a:solidFill>
+          <a:ln>
+            <a:noFill/>
+          </a:ln>
+          <a:effectLst/>
+        </p:spPr>
+        <p:style>
+          <a:lnRef idx="0">
+            <a:scrgbClr r="0" g="0" b="0"/>
+          </a:lnRef>
+          <a:fillRef idx="0">
+            <a:scrgbClr r="0" g="0" b="0"/>
+          </a:fillRef>
+          <a:effectRef idx="0">
+            <a:scrgbClr r="0" g="0" b="0"/>
+          </a:effectRef>
+          <a:fontRef idx="minor">
+            <a:schemeClr val="lt1"/>
+          </a:fontRef>
+        </p:style>
+        <p:txBody>
+          <a:bodyPr rtlCol="0" anchor="ctr"/>
+          <a:lstStyle/>
+          <a:p>
+            <a:pPr algn="ctr"/>
+            <a:endParaRPr lang="en-US"/>
+          </a:p>
+        </p:txBody>
+      </p:sp>
+      <p:sp>
+        <p:nvSpPr>
+          <p:cNvPr id="116" name="Oval 115">
+            <a:extLst>
+              <a:ext uri="{FF2B5EF4-FFF2-40B4-BE49-F238E27FC236}">
+                <a16:creationId xmlns:a16="http://schemas.microsoft.com/office/drawing/2014/main" id="{70292831-BBE1-4185-AD40-1E30FB73F9C1}"/>
+              </a:ext>
+            </a:extLst>
+          </p:cNvPr>
+          <p:cNvSpPr/>
+          <p:nvPr/>
+        </p:nvSpPr>
+        <p:spPr>
+          <a:xfrm>
+            <a:off x="6127933" y="3094694"/>
+            <a:ext cx="432786" cy="422890"/>
+          </a:xfrm>
+          <a:prstGeom prst="ellipse">
+            <a:avLst/>
+          </a:prstGeom>
+          <a:solidFill>
+            <a:schemeClr val="accent2">
+              <a:alpha val="50000"/>
+            </a:schemeClr>
+          </a:solidFill>
+          <a:ln>
+            <a:noFill/>
+          </a:ln>
+          <a:effectLst/>
+        </p:spPr>
+        <p:style>
+          <a:lnRef idx="0">
+            <a:scrgbClr r="0" g="0" b="0"/>
+          </a:lnRef>
+          <a:fillRef idx="0">
+            <a:scrgbClr r="0" g="0" b="0"/>
+          </a:fillRef>
+          <a:effectRef idx="0">
+            <a:scrgbClr r="0" g="0" b="0"/>
+          </a:effectRef>
+          <a:fontRef idx="minor">
+            <a:schemeClr val="lt1"/>
+          </a:fontRef>
+        </p:style>
+        <p:txBody>
+          <a:bodyPr rtlCol="0" anchor="ctr"/>
+          <a:lstStyle/>
+          <a:p>
+            <a:pPr algn="ctr"/>
+            <a:endParaRPr lang="en-US"/>
+          </a:p>
+        </p:txBody>
+      </p:sp>
+      <p:sp>
+        <p:nvSpPr>
+          <p:cNvPr id="117" name="Oval 116">
+            <a:extLst>
+              <a:ext uri="{FF2B5EF4-FFF2-40B4-BE49-F238E27FC236}">
+                <a16:creationId xmlns:a16="http://schemas.microsoft.com/office/drawing/2014/main" id="{7F786AF6-BB1F-4D9D-971B-08241B499293}"/>
+              </a:ext>
+            </a:extLst>
+          </p:cNvPr>
+          <p:cNvSpPr/>
+          <p:nvPr/>
+        </p:nvSpPr>
+        <p:spPr>
+          <a:xfrm>
+            <a:off x="6258045" y="3216034"/>
+            <a:ext cx="186163" cy="181906"/>
+          </a:xfrm>
+          <a:prstGeom prst="ellipse">
+            <a:avLst/>
+          </a:prstGeom>
+          <a:solidFill>
+            <a:schemeClr val="accent2"/>
+          </a:solidFill>
+          <a:ln>
+            <a:noFill/>
+          </a:ln>
+          <a:effectLst/>
+        </p:spPr>
+        <p:style>
+          <a:lnRef idx="0">
+            <a:scrgbClr r="0" g="0" b="0"/>
+          </a:lnRef>
+          <a:fillRef idx="0">
+            <a:scrgbClr r="0" g="0" b="0"/>
+          </a:fillRef>
+          <a:effectRef idx="0">
+            <a:scrgbClr r="0" g="0" b="0"/>
+          </a:effectRef>
+          <a:fontRef idx="minor">
+            <a:schemeClr val="lt1"/>
+          </a:fontRef>
+        </p:style>
+        <p:txBody>
+          <a:bodyPr rtlCol="0" anchor="ctr"/>
+          <a:lstStyle/>
+          <a:p>
+            <a:pPr algn="ctr"/>
+            <a:endParaRPr lang="en-US"/>
+          </a:p>
+        </p:txBody>
+      </p:sp>
+      <p:sp>
+        <p:nvSpPr>
+          <p:cNvPr id="119" name="Oval 118">
+            <a:extLst>
+              <a:ext uri="{FF2B5EF4-FFF2-40B4-BE49-F238E27FC236}">
+                <a16:creationId xmlns:a16="http://schemas.microsoft.com/office/drawing/2014/main" id="{AB995E48-9390-4A52-A919-D3B80A56DBDE}"/>
+              </a:ext>
+            </a:extLst>
+          </p:cNvPr>
+          <p:cNvSpPr/>
+          <p:nvPr/>
+        </p:nvSpPr>
+        <p:spPr>
+          <a:xfrm>
+            <a:off x="5781851" y="2431202"/>
+            <a:ext cx="3767783" cy="3681628"/>
+          </a:xfrm>
+          <a:prstGeom prst="ellipse">
+            <a:avLst/>
+          </a:prstGeom>
+          <a:solidFill>
+            <a:schemeClr val="accent2">
+              <a:alpha val="10000"/>
+            </a:schemeClr>
+          </a:solidFill>
+          <a:ln>
+            <a:noFill/>
+          </a:ln>
+          <a:effectLst/>
+        </p:spPr>
+        <p:style>
+          <a:lnRef idx="0">
+            <a:scrgbClr r="0" g="0" b="0"/>
+          </a:lnRef>
+          <a:fillRef idx="0">
+            <a:scrgbClr r="0" g="0" b="0"/>
+          </a:fillRef>
+          <a:effectRef idx="0">
+            <a:scrgbClr r="0" g="0" b="0"/>
+          </a:effectRef>
+          <a:fontRef idx="minor">
+            <a:schemeClr val="lt1"/>
+          </a:fontRef>
+        </p:style>
+        <p:txBody>
+          <a:bodyPr rtlCol="0" anchor="ctr"/>
+          <a:lstStyle/>
+          <a:p>
+            <a:pPr algn="ctr"/>
+            <a:endParaRPr lang="en-US"/>
+          </a:p>
+        </p:txBody>
+      </p:sp>
+      <p:sp>
+        <p:nvSpPr>
+          <p:cNvPr id="120" name="Oval 119">
+            <a:extLst>
+              <a:ext uri="{FF2B5EF4-FFF2-40B4-BE49-F238E27FC236}">
+                <a16:creationId xmlns:a16="http://schemas.microsoft.com/office/drawing/2014/main" id="{58845ABF-B3C8-4773-B2EA-6667EE438E70}"/>
+              </a:ext>
+            </a:extLst>
+          </p:cNvPr>
+          <p:cNvSpPr/>
+          <p:nvPr/>
+        </p:nvSpPr>
+        <p:spPr>
+          <a:xfrm>
+            <a:off x="6204301" y="2834819"/>
+            <a:ext cx="2965895" cy="2898075"/>
+          </a:xfrm>
+          <a:prstGeom prst="ellipse">
+            <a:avLst/>
+          </a:prstGeom>
+          <a:solidFill>
+            <a:schemeClr val="accent2">
+              <a:alpha val="10000"/>
+            </a:schemeClr>
+          </a:solidFill>
+          <a:ln>
+            <a:noFill/>
+          </a:ln>
+          <a:effectLst/>
+        </p:spPr>
+        <p:style>
+          <a:lnRef idx="0">
+            <a:scrgbClr r="0" g="0" b="0"/>
+          </a:lnRef>
+          <a:fillRef idx="0">
+            <a:scrgbClr r="0" g="0" b="0"/>
+          </a:fillRef>
+          <a:effectRef idx="0">
+            <a:scrgbClr r="0" g="0" b="0"/>
+          </a:effectRef>
+          <a:fontRef idx="minor">
+            <a:schemeClr val="lt1"/>
+          </a:fontRef>
+        </p:style>
+        <p:txBody>
+          <a:bodyPr rtlCol="0" anchor="ctr"/>
+          <a:lstStyle/>
+          <a:p>
+            <a:pPr algn="ctr"/>
+            <a:endParaRPr lang="en-US"/>
+          </a:p>
+        </p:txBody>
+      </p:sp>
+      <p:sp>
+        <p:nvSpPr>
+          <p:cNvPr id="121" name="Oval 120">
+            <a:extLst>
+              <a:ext uri="{FF2B5EF4-FFF2-40B4-BE49-F238E27FC236}">
+                <a16:creationId xmlns:a16="http://schemas.microsoft.com/office/drawing/2014/main" id="{6E2FDD91-2A33-4858-999A-1EC59BF00CBC}"/>
+              </a:ext>
+            </a:extLst>
+          </p:cNvPr>
+          <p:cNvSpPr/>
+          <p:nvPr/>
+        </p:nvSpPr>
+        <p:spPr>
+          <a:xfrm>
+            <a:off x="6551715" y="3162449"/>
+            <a:ext cx="2271065" cy="2219134"/>
+          </a:xfrm>
+          <a:prstGeom prst="ellipse">
+            <a:avLst/>
+          </a:prstGeom>
+          <a:solidFill>
+            <a:schemeClr val="accent2">
+              <a:alpha val="10000"/>
+            </a:schemeClr>
+          </a:solidFill>
+          <a:ln>
+            <a:noFill/>
+          </a:ln>
+          <a:effectLst/>
+        </p:spPr>
+        <p:style>
+          <a:lnRef idx="0">
+            <a:scrgbClr r="0" g="0" b="0"/>
+          </a:lnRef>
+          <a:fillRef idx="0">
+            <a:scrgbClr r="0" g="0" b="0"/>
+          </a:fillRef>
+          <a:effectRef idx="0">
+            <a:scrgbClr r="0" g="0" b="0"/>
+          </a:effectRef>
+          <a:fontRef idx="minor">
+            <a:schemeClr val="lt1"/>
+          </a:fontRef>
+        </p:style>
+        <p:txBody>
+          <a:bodyPr rtlCol="0" anchor="ctr"/>
+          <a:lstStyle/>
+          <a:p>
+            <a:pPr algn="ctr"/>
+            <a:endParaRPr lang="en-US"/>
+          </a:p>
+        </p:txBody>
+      </p:sp>
+      <p:sp>
+        <p:nvSpPr>
+          <p:cNvPr id="122" name="Oval 121">
+            <a:extLst>
+              <a:ext uri="{FF2B5EF4-FFF2-40B4-BE49-F238E27FC236}">
+                <a16:creationId xmlns:a16="http://schemas.microsoft.com/office/drawing/2014/main" id="{E82AE607-6B6C-470D-B295-044F9E36DFD7}"/>
+              </a:ext>
+            </a:extLst>
+          </p:cNvPr>
+          <p:cNvSpPr/>
+          <p:nvPr/>
+        </p:nvSpPr>
+        <p:spPr>
+          <a:xfrm>
+            <a:off x="6769961" y="3373801"/>
+            <a:ext cx="1859022" cy="1816513"/>
+          </a:xfrm>
+          <a:prstGeom prst="ellipse">
+            <a:avLst/>
+          </a:prstGeom>
+          <a:solidFill>
+            <a:schemeClr val="accent2">
+              <a:alpha val="20000"/>
+            </a:schemeClr>
+          </a:solidFill>
+          <a:ln>
+            <a:noFill/>
+          </a:ln>
+          <a:effectLst/>
+        </p:spPr>
+        <p:style>
+          <a:lnRef idx="0">
+            <a:scrgbClr r="0" g="0" b="0"/>
+          </a:lnRef>
+          <a:fillRef idx="0">
+            <a:scrgbClr r="0" g="0" b="0"/>
+          </a:fillRef>
+          <a:effectRef idx="0">
+            <a:scrgbClr r="0" g="0" b="0"/>
+          </a:effectRef>
+          <a:fontRef idx="minor">
+            <a:schemeClr val="lt1"/>
+          </a:fontRef>
+        </p:style>
+        <p:txBody>
+          <a:bodyPr rtlCol="0" anchor="ctr"/>
+          <a:lstStyle/>
+          <a:p>
+            <a:pPr algn="ctr"/>
+            <a:endParaRPr lang="en-US"/>
+          </a:p>
+        </p:txBody>
+      </p:sp>
+      <p:sp>
+        <p:nvSpPr>
+          <p:cNvPr id="123" name="Oval 122">
+            <a:extLst>
+              <a:ext uri="{FF2B5EF4-FFF2-40B4-BE49-F238E27FC236}">
+                <a16:creationId xmlns:a16="http://schemas.microsoft.com/office/drawing/2014/main" id="{2918FF43-F35A-4003-981E-D64C8BF98E4D}"/>
+              </a:ext>
+            </a:extLst>
+          </p:cNvPr>
+          <p:cNvSpPr/>
+          <p:nvPr/>
+        </p:nvSpPr>
+        <p:spPr>
+          <a:xfrm>
+            <a:off x="6997836" y="3601983"/>
+            <a:ext cx="1390085" cy="1358299"/>
+          </a:xfrm>
+          <a:prstGeom prst="ellipse">
+            <a:avLst/>
+          </a:prstGeom>
+          <a:solidFill>
+            <a:schemeClr val="accent2">
+              <a:alpha val="30000"/>
+            </a:schemeClr>
+          </a:solidFill>
+          <a:ln>
+            <a:noFill/>
+          </a:ln>
+          <a:effectLst/>
+        </p:spPr>
+        <p:style>
+          <a:lnRef idx="0">
+            <a:scrgbClr r="0" g="0" b="0"/>
+          </a:lnRef>
+          <a:fillRef idx="0">
+            <a:scrgbClr r="0" g="0" b="0"/>
+          </a:fillRef>
+          <a:effectRef idx="0">
+            <a:scrgbClr r="0" g="0" b="0"/>
+          </a:effectRef>
+          <a:fontRef idx="minor">
+            <a:schemeClr val="lt1"/>
+          </a:fontRef>
+        </p:style>
+        <p:txBody>
+          <a:bodyPr rtlCol="0" anchor="ctr"/>
+          <a:lstStyle/>
+          <a:p>
+            <a:pPr algn="ctr"/>
+            <a:endParaRPr lang="en-US"/>
+          </a:p>
+        </p:txBody>
+      </p:sp>
+      <p:sp>
+        <p:nvSpPr>
+          <p:cNvPr id="124" name="Oval 123">
+            <a:extLst>
+              <a:ext uri="{FF2B5EF4-FFF2-40B4-BE49-F238E27FC236}">
+                <a16:creationId xmlns:a16="http://schemas.microsoft.com/office/drawing/2014/main" id="{5CFFDE6D-BB81-4456-8FB2-2ABFB1499E09}"/>
+              </a:ext>
+            </a:extLst>
+          </p:cNvPr>
+          <p:cNvSpPr/>
+          <p:nvPr/>
+        </p:nvSpPr>
+        <p:spPr>
+          <a:xfrm>
+            <a:off x="7233693" y="3848474"/>
+            <a:ext cx="864097" cy="844338"/>
+          </a:xfrm>
+          <a:prstGeom prst="ellipse">
+            <a:avLst/>
+          </a:prstGeom>
+          <a:solidFill>
+            <a:schemeClr val="accent2">
+              <a:alpha val="40000"/>
+            </a:schemeClr>
+          </a:solidFill>
+          <a:ln>
+            <a:noFill/>
+          </a:ln>
+          <a:effectLst/>
+        </p:spPr>
+        <p:style>
+          <a:lnRef idx="0">
+            <a:scrgbClr r="0" g="0" b="0"/>
+          </a:lnRef>
+          <a:fillRef idx="0">
+            <a:scrgbClr r="0" g="0" b="0"/>
+          </a:fillRef>
+          <a:effectRef idx="0">
+            <a:scrgbClr r="0" g="0" b="0"/>
+          </a:effectRef>
+          <a:fontRef idx="minor">
+            <a:schemeClr val="lt1"/>
+          </a:fontRef>
+        </p:style>
+        <p:txBody>
+          <a:bodyPr rtlCol="0" anchor="ctr"/>
+          <a:lstStyle/>
+          <a:p>
+            <a:pPr algn="ctr"/>
+            <a:endParaRPr lang="en-US"/>
+          </a:p>
+        </p:txBody>
+      </p:sp>
+      <p:sp>
+        <p:nvSpPr>
+          <p:cNvPr id="125" name="Oval 124">
+            <a:extLst>
+              <a:ext uri="{FF2B5EF4-FFF2-40B4-BE49-F238E27FC236}">
+                <a16:creationId xmlns:a16="http://schemas.microsoft.com/office/drawing/2014/main" id="{94A1151C-2B63-4D70-A0F4-D4BBE2EACE87}"/>
+              </a:ext>
+            </a:extLst>
+          </p:cNvPr>
+          <p:cNvSpPr/>
+          <p:nvPr/>
+        </p:nvSpPr>
+        <p:spPr>
+          <a:xfrm>
+            <a:off x="7448612" y="4069686"/>
+            <a:ext cx="432786" cy="422890"/>
+          </a:xfrm>
+          <a:prstGeom prst="ellipse">
+            <a:avLst/>
+          </a:prstGeom>
+          <a:solidFill>
+            <a:schemeClr val="accent2">
+              <a:alpha val="50000"/>
+            </a:schemeClr>
+          </a:solidFill>
+          <a:ln>
+            <a:noFill/>
+          </a:ln>
+          <a:effectLst/>
+        </p:spPr>
+        <p:style>
+          <a:lnRef idx="0">
+            <a:scrgbClr r="0" g="0" b="0"/>
+          </a:lnRef>
+          <a:fillRef idx="0">
+            <a:scrgbClr r="0" g="0" b="0"/>
+          </a:fillRef>
+          <a:effectRef idx="0">
+            <a:scrgbClr r="0" g="0" b="0"/>
+          </a:effectRef>
+          <a:fontRef idx="minor">
+            <a:schemeClr val="lt1"/>
+          </a:fontRef>
+        </p:style>
+        <p:txBody>
+          <a:bodyPr rtlCol="0" anchor="ctr"/>
+          <a:lstStyle/>
+          <a:p>
+            <a:pPr algn="ctr"/>
+            <a:endParaRPr lang="en-US"/>
+          </a:p>
+        </p:txBody>
+      </p:sp>
+      <p:sp>
+        <p:nvSpPr>
+          <p:cNvPr id="126" name="Oval 125">
+            <a:extLst>
+              <a:ext uri="{FF2B5EF4-FFF2-40B4-BE49-F238E27FC236}">
+                <a16:creationId xmlns:a16="http://schemas.microsoft.com/office/drawing/2014/main" id="{B6A27D8D-8C79-4BE4-80C6-B57D038B79A8}"/>
+              </a:ext>
+            </a:extLst>
+          </p:cNvPr>
+          <p:cNvSpPr/>
+          <p:nvPr/>
+        </p:nvSpPr>
+        <p:spPr>
+          <a:xfrm>
+            <a:off x="7578724" y="4191026"/>
+            <a:ext cx="186163" cy="181906"/>
+          </a:xfrm>
+          <a:prstGeom prst="ellipse">
+            <a:avLst/>
+          </a:prstGeom>
+          <a:solidFill>
+            <a:schemeClr val="accent2"/>
+          </a:solidFill>
+          <a:ln>
+            <a:noFill/>
+          </a:ln>
+          <a:effectLst/>
+        </p:spPr>
+        <p:style>
+          <a:lnRef idx="0">
+            <a:scrgbClr r="0" g="0" b="0"/>
+          </a:lnRef>
+          <a:fillRef idx="0">
+            <a:scrgbClr r="0" g="0" b="0"/>
+          </a:fillRef>
+          <a:effectRef idx="0">
+            <a:scrgbClr r="0" g="0" b="0"/>
+          </a:effectRef>
+          <a:fontRef idx="minor">
+            <a:schemeClr val="lt1"/>
+          </a:fontRef>
+        </p:style>
+        <p:txBody>
+          <a:bodyPr rtlCol="0" anchor="ctr"/>
+          <a:lstStyle/>
+          <a:p>
+            <a:pPr algn="ctr"/>
+            <a:endParaRPr lang="en-US"/>
+          </a:p>
+        </p:txBody>
+      </p:sp>
+      <p:sp>
+        <p:nvSpPr>
+          <p:cNvPr id="132" name="Arrow: Right 131">
+            <a:extLst>
+              <a:ext uri="{FF2B5EF4-FFF2-40B4-BE49-F238E27FC236}">
+                <a16:creationId xmlns:a16="http://schemas.microsoft.com/office/drawing/2014/main" id="{8577E16F-5182-4AD9-A745-5E87C2173035}"/>
+              </a:ext>
+            </a:extLst>
+          </p:cNvPr>
+          <p:cNvSpPr/>
+          <p:nvPr/>
+        </p:nvSpPr>
+        <p:spPr>
+          <a:xfrm>
+            <a:off x="3702274" y="3510861"/>
+            <a:ext cx="1517797" cy="1358299"/>
+          </a:xfrm>
+          <a:prstGeom prst="rightArrow">
+            <a:avLst/>
+          </a:prstGeom>
+        </p:spPr>
+        <p:style>
+          <a:lnRef idx="2">
+            <a:schemeClr val="accent1">
+              <a:shade val="50000"/>
+            </a:schemeClr>
+          </a:lnRef>
+          <a:fillRef idx="1">
+            <a:schemeClr val="accent1"/>
+          </a:fillRef>
+          <a:effectRef idx="0">
+            <a:schemeClr val="accent1"/>
+          </a:effectRef>
+          <a:fontRef idx="minor">
+            <a:schemeClr val="lt1"/>
+          </a:fontRef>
+        </p:style>
+        <p:txBody>
+          <a:bodyPr rtlCol="0" anchor="ctr"/>
+          <a:lstStyle/>
+          <a:p>
+            <a:pPr algn="ctr"/>
+            <a:r>
+              <a:rPr lang="en-US" dirty="0"/>
+              <a:t>Calculate path</a:t>
+            </a:r>
+          </a:p>
+        </p:txBody>
+      </p:sp>
+      <p:cxnSp>
+        <p:nvCxnSpPr>
+          <p:cNvPr id="143" name="Straight Arrow Connector 142">
+            <a:extLst>
+              <a:ext uri="{FF2B5EF4-FFF2-40B4-BE49-F238E27FC236}">
+                <a16:creationId xmlns:a16="http://schemas.microsoft.com/office/drawing/2014/main" id="{0341F9F4-834B-4A52-A6E9-A980FA75285E}"/>
+              </a:ext>
+            </a:extLst>
+          </p:cNvPr>
+          <p:cNvCxnSpPr>
+            <a:cxnSpLocks/>
+          </p:cNvCxnSpPr>
+          <p:nvPr/>
+        </p:nvCxnSpPr>
+        <p:spPr>
+          <a:xfrm flipH="1" flipV="1">
+            <a:off x="7308304" y="4581128"/>
+            <a:ext cx="576064" cy="720080"/>
+          </a:xfrm>
+          <a:prstGeom prst="straightConnector1">
+            <a:avLst/>
+          </a:prstGeom>
+          <a:ln>
+            <a:tailEnd type="triangle"/>
+          </a:ln>
+          <a:effectLst>
+            <a:outerShdw blurRad="40000" dist="20000" dir="5400000" rotWithShape="0">
+              <a:schemeClr val="bg1">
+                <a:alpha val="38000"/>
+              </a:schemeClr>
+            </a:outerShdw>
+          </a:effectLst>
+        </p:spPr>
+        <p:style>
+          <a:lnRef idx="2">
+            <a:schemeClr val="accent2"/>
+          </a:lnRef>
+          <a:fillRef idx="0">
+            <a:schemeClr val="accent2"/>
+          </a:fillRef>
+          <a:effectRef idx="1">
+            <a:schemeClr val="accent2"/>
+          </a:effectRef>
+          <a:fontRef idx="minor">
+            <a:schemeClr val="tx1"/>
+          </a:fontRef>
+        </p:style>
+      </p:cxnSp>
+      <p:cxnSp>
+        <p:nvCxnSpPr>
+          <p:cNvPr id="144" name="Straight Arrow Connector 143">
+            <a:extLst>
+              <a:ext uri="{FF2B5EF4-FFF2-40B4-BE49-F238E27FC236}">
+                <a16:creationId xmlns:a16="http://schemas.microsoft.com/office/drawing/2014/main" id="{4142AE64-B76D-474D-A99B-E5C062A32F8C}"/>
+              </a:ext>
+            </a:extLst>
+          </p:cNvPr>
+          <p:cNvCxnSpPr>
+            <a:cxnSpLocks/>
+          </p:cNvCxnSpPr>
+          <p:nvPr/>
+        </p:nvCxnSpPr>
+        <p:spPr>
+          <a:xfrm flipV="1">
+            <a:off x="7308304" y="3717032"/>
+            <a:ext cx="0" cy="864096"/>
+          </a:xfrm>
+          <a:prstGeom prst="straightConnector1">
+            <a:avLst/>
+          </a:prstGeom>
+          <a:ln>
+            <a:tailEnd type="triangle"/>
+          </a:ln>
+          <a:effectLst>
+            <a:outerShdw blurRad="40000" dist="20000" dir="5400000" rotWithShape="0">
+              <a:schemeClr val="bg1">
+                <a:alpha val="38000"/>
+              </a:schemeClr>
+            </a:outerShdw>
+          </a:effectLst>
+        </p:spPr>
+        <p:style>
+          <a:lnRef idx="2">
+            <a:schemeClr val="accent2"/>
+          </a:lnRef>
+          <a:fillRef idx="0">
+            <a:schemeClr val="accent2"/>
+          </a:fillRef>
+          <a:effectRef idx="1">
+            <a:schemeClr val="accent2"/>
+          </a:effectRef>
+          <a:fontRef idx="minor">
+            <a:schemeClr val="tx1"/>
+          </a:fontRef>
+        </p:style>
+      </p:cxnSp>
+      <p:cxnSp>
+        <p:nvCxnSpPr>
+          <p:cNvPr id="145" name="Straight Arrow Connector 144">
+            <a:extLst>
+              <a:ext uri="{FF2B5EF4-FFF2-40B4-BE49-F238E27FC236}">
+                <a16:creationId xmlns:a16="http://schemas.microsoft.com/office/drawing/2014/main" id="{E07BA74C-A5AE-4E03-9091-B0E6B609917E}"/>
+              </a:ext>
+            </a:extLst>
+          </p:cNvPr>
+          <p:cNvCxnSpPr>
+            <a:cxnSpLocks/>
+          </p:cNvCxnSpPr>
+          <p:nvPr/>
+        </p:nvCxnSpPr>
+        <p:spPr>
+          <a:xfrm flipH="1">
+            <a:off x="6444208" y="3717032"/>
+            <a:ext cx="864096" cy="0"/>
+          </a:xfrm>
+          <a:prstGeom prst="straightConnector1">
+            <a:avLst/>
+          </a:prstGeom>
+          <a:ln>
+            <a:tailEnd type="triangle"/>
+          </a:ln>
+          <a:effectLst>
+            <a:outerShdw blurRad="40000" dist="20000" dir="5400000" rotWithShape="0">
+              <a:schemeClr val="bg1">
+                <a:alpha val="38000"/>
+              </a:schemeClr>
+            </a:outerShdw>
+          </a:effectLst>
+        </p:spPr>
+        <p:style>
+          <a:lnRef idx="2">
+            <a:schemeClr val="accent2"/>
+          </a:lnRef>
+          <a:fillRef idx="0">
+            <a:schemeClr val="accent2"/>
+          </a:fillRef>
+          <a:effectRef idx="1">
+            <a:schemeClr val="accent2"/>
+          </a:effectRef>
+          <a:fontRef idx="minor">
+            <a:schemeClr val="tx1"/>
+          </a:fontRef>
+        </p:style>
+      </p:cxnSp>
+      <p:cxnSp>
+        <p:nvCxnSpPr>
+          <p:cNvPr id="146" name="Straight Arrow Connector 145">
+            <a:extLst>
+              <a:ext uri="{FF2B5EF4-FFF2-40B4-BE49-F238E27FC236}">
+                <a16:creationId xmlns:a16="http://schemas.microsoft.com/office/drawing/2014/main" id="{9E0ACC2C-6FBB-44B2-B71E-19F8A98159C0}"/>
+              </a:ext>
+            </a:extLst>
+          </p:cNvPr>
+          <p:cNvCxnSpPr>
+            <a:cxnSpLocks/>
+          </p:cNvCxnSpPr>
+          <p:nvPr/>
+        </p:nvCxnSpPr>
+        <p:spPr>
+          <a:xfrm flipH="1" flipV="1">
+            <a:off x="6372200" y="3501008"/>
+            <a:ext cx="72008" cy="216024"/>
+          </a:xfrm>
+          <a:prstGeom prst="straightConnector1">
+            <a:avLst/>
+          </a:prstGeom>
+          <a:ln>
+            <a:tailEnd type="triangle"/>
+          </a:ln>
+          <a:effectLst>
+            <a:outerShdw blurRad="40000" dist="20000" dir="5400000" rotWithShape="0">
+              <a:schemeClr val="bg1">
+                <a:alpha val="38000"/>
+              </a:schemeClr>
+            </a:outerShdw>
+          </a:effectLst>
+        </p:spPr>
+        <p:style>
+          <a:lnRef idx="2">
+            <a:schemeClr val="accent2"/>
+          </a:lnRef>
+          <a:fillRef idx="0">
+            <a:schemeClr val="accent2"/>
+          </a:fillRef>
+          <a:effectRef idx="1">
+            <a:schemeClr val="accent2"/>
+          </a:effectRef>
+          <a:fontRef idx="minor">
+            <a:schemeClr val="tx1"/>
+          </a:fontRef>
+        </p:style>
+      </p:cxnSp>
+      <p:cxnSp>
+        <p:nvCxnSpPr>
+          <p:cNvPr id="147" name="Straight Arrow Connector 146">
+            <a:extLst>
+              <a:ext uri="{FF2B5EF4-FFF2-40B4-BE49-F238E27FC236}">
+                <a16:creationId xmlns:a16="http://schemas.microsoft.com/office/drawing/2014/main" id="{9D87E72B-387A-4B53-B8C6-61CB444947C0}"/>
+              </a:ext>
+            </a:extLst>
+          </p:cNvPr>
+          <p:cNvCxnSpPr>
+            <a:cxnSpLocks/>
+          </p:cNvCxnSpPr>
+          <p:nvPr/>
+        </p:nvCxnSpPr>
+        <p:spPr>
+          <a:xfrm flipH="1" flipV="1">
+            <a:off x="7668344" y="4509121"/>
+            <a:ext cx="213054" cy="792087"/>
+          </a:xfrm>
+          <a:prstGeom prst="straightConnector1">
+            <a:avLst/>
+          </a:prstGeom>
+          <a:ln>
+            <a:tailEnd type="triangle"/>
+          </a:ln>
+          <a:effectLst>
+            <a:outerShdw blurRad="40000" dist="20000" dir="5400000" rotWithShape="0">
+              <a:schemeClr val="bg1">
+                <a:alpha val="38000"/>
+              </a:schemeClr>
+            </a:outerShdw>
+          </a:effectLst>
+        </p:spPr>
+        <p:style>
+          <a:lnRef idx="2">
+            <a:schemeClr val="accent2"/>
+          </a:lnRef>
+          <a:fillRef idx="0">
+            <a:schemeClr val="accent2"/>
+          </a:fillRef>
+          <a:effectRef idx="1">
+            <a:schemeClr val="accent2"/>
+          </a:effectRef>
+          <a:fontRef idx="minor">
+            <a:schemeClr val="tx1"/>
+          </a:fontRef>
+        </p:style>
+      </p:cxnSp>
+      <p:sp>
+        <p:nvSpPr>
+          <p:cNvPr id="152" name="TextBox 151">
+            <a:extLst>
+              <a:ext uri="{FF2B5EF4-FFF2-40B4-BE49-F238E27FC236}">
+                <a16:creationId xmlns:a16="http://schemas.microsoft.com/office/drawing/2014/main" id="{05E80FA0-710C-487C-835B-B40AD2F62439}"/>
+              </a:ext>
+            </a:extLst>
+          </p:cNvPr>
+          <p:cNvSpPr txBox="1"/>
+          <p:nvPr/>
+        </p:nvSpPr>
+        <p:spPr>
+          <a:xfrm flipH="1">
+            <a:off x="5104834" y="6155780"/>
+            <a:ext cx="2203470" cy="261610"/>
+          </a:xfrm>
+          <a:prstGeom prst="rect">
+            <a:avLst/>
+          </a:prstGeom>
+          <a:ln/>
+        </p:spPr>
+        <p:style>
+          <a:lnRef idx="2">
+            <a:schemeClr val="dk1"/>
+          </a:lnRef>
+          <a:fillRef idx="1">
+            <a:schemeClr val="lt1"/>
+          </a:fillRef>
+          <a:effectRef idx="0">
+            <a:schemeClr val="dk1"/>
+          </a:effectRef>
+          <a:fontRef idx="minor">
+            <a:schemeClr val="dk1"/>
+          </a:fontRef>
+        </p:style>
+        <p:txBody>
+          <a:bodyPr wrap="square" rtlCol="0">
+            <a:spAutoFit/>
+          </a:bodyPr>
+          <a:lstStyle/>
+          <a:p>
+            <a:r>
+              <a:rPr lang="en-US" sz="1100" dirty="0"/>
+              <a:t>Optimal or near-optimal path</a:t>
+            </a:r>
+          </a:p>
+        </p:txBody>
+      </p:sp>
+      <p:sp>
+        <p:nvSpPr>
+          <p:cNvPr id="159" name="TextBox 158">
+            <a:extLst>
+              <a:ext uri="{FF2B5EF4-FFF2-40B4-BE49-F238E27FC236}">
+                <a16:creationId xmlns:a16="http://schemas.microsoft.com/office/drawing/2014/main" id="{2EDBBBA0-8FA5-478C-A717-D553C30A64DF}"/>
+              </a:ext>
+            </a:extLst>
+          </p:cNvPr>
+          <p:cNvSpPr txBox="1"/>
+          <p:nvPr/>
+        </p:nvSpPr>
+        <p:spPr>
+          <a:xfrm flipH="1">
+            <a:off x="7506943" y="2644777"/>
+            <a:ext cx="1471932" cy="261610"/>
+          </a:xfrm>
+          <a:prstGeom prst="rect">
+            <a:avLst/>
+          </a:prstGeom>
+          <a:noFill/>
+          <a:ln>
+            <a:noFill/>
+          </a:ln>
+        </p:spPr>
+        <p:style>
+          <a:lnRef idx="2">
+            <a:schemeClr val="accent2"/>
+          </a:lnRef>
+          <a:fillRef idx="1">
+            <a:schemeClr val="lt1"/>
+          </a:fillRef>
+          <a:effectRef idx="0">
+            <a:schemeClr val="accent2"/>
+          </a:effectRef>
+          <a:fontRef idx="minor">
+            <a:schemeClr val="dk1"/>
+          </a:fontRef>
+        </p:style>
+        <p:txBody>
+          <a:bodyPr wrap="square" rtlCol="0">
+            <a:spAutoFit/>
+          </a:bodyPr>
+          <a:lstStyle/>
+          <a:p>
+            <a:r>
+              <a:rPr lang="en-US" sz="1100" b="1" dirty="0">
+                <a:solidFill>
+                  <a:srgbClr val="FF6D6D"/>
+                </a:solidFill>
               </a:rPr>
-              <a:t>This PowerPoint Template has clean and neutral design that can be adapted to any content and meets various market segments. With this many slides you are able to make a complete PowerPoint Presentation that best suit your needs. </a:t>
-            </a:r>
-          </a:p>
-          <a:p>
-            <a:endParaRPr lang="en-US" altLang="ko-KR" dirty="0">
-              <a:latin typeface="Arial" pitchFamily="34" charset="0"/>
-              <a:cs typeface="Arial" pitchFamily="34" charset="0"/>
-            </a:endParaRPr>
-          </a:p>
-          <a:p>
-            <a:r>
-              <a:rPr lang="en-US" altLang="ko-KR" dirty="0">
-                <a:latin typeface="Arial" pitchFamily="34" charset="0"/>
-                <a:cs typeface="Arial" pitchFamily="34" charset="0"/>
+              <a:t>Heuristic function</a:t>
+            </a:r>
+          </a:p>
+        </p:txBody>
+      </p:sp>
+      <p:sp>
+        <p:nvSpPr>
+          <p:cNvPr id="161" name="TextBox 160">
+            <a:extLst>
+              <a:ext uri="{FF2B5EF4-FFF2-40B4-BE49-F238E27FC236}">
+                <a16:creationId xmlns:a16="http://schemas.microsoft.com/office/drawing/2014/main" id="{7A237724-A28F-4D81-AF23-6958C611BD7B}"/>
+              </a:ext>
+            </a:extLst>
+          </p:cNvPr>
+          <p:cNvSpPr txBox="1"/>
+          <p:nvPr/>
+        </p:nvSpPr>
+        <p:spPr>
+          <a:xfrm flipH="1">
+            <a:off x="4593775" y="2384928"/>
+            <a:ext cx="1471932" cy="261610"/>
+          </a:xfrm>
+          <a:prstGeom prst="rect">
+            <a:avLst/>
+          </a:prstGeom>
+          <a:noFill/>
+          <a:ln>
+            <a:noFill/>
+          </a:ln>
+        </p:spPr>
+        <p:style>
+          <a:lnRef idx="2">
+            <a:schemeClr val="accent2"/>
+          </a:lnRef>
+          <a:fillRef idx="1">
+            <a:schemeClr val="lt1"/>
+          </a:fillRef>
+          <a:effectRef idx="0">
+            <a:schemeClr val="accent2"/>
+          </a:effectRef>
+          <a:fontRef idx="minor">
+            <a:schemeClr val="dk1"/>
+          </a:fontRef>
+        </p:style>
+        <p:txBody>
+          <a:bodyPr wrap="square" rtlCol="0">
+            <a:spAutoFit/>
+          </a:bodyPr>
+          <a:lstStyle/>
+          <a:p>
+            <a:r>
+              <a:rPr lang="en-US" sz="1100" b="1" dirty="0">
+                <a:solidFill>
+                  <a:srgbClr val="FF6D6D"/>
+                </a:solidFill>
               </a:rPr>
-              <a:t>This PowerPoint Template has clean and neutral design that can be adapted to any content and meets various market segments.</a:t>
-            </a:r>
-            <a:endParaRPr lang="ko-KR" altLang="en-US" dirty="0">
-              <a:latin typeface="Arial" pitchFamily="34" charset="0"/>
-              <a:cs typeface="Arial" pitchFamily="34" charset="0"/>
-            </a:endParaRPr>
-          </a:p>
-        </p:txBody>
-      </p:sp>
+              <a:t>Heuristic function</a:t>
+            </a:r>
+          </a:p>
+        </p:txBody>
+      </p:sp>
+      <p:cxnSp>
+        <p:nvCxnSpPr>
+          <p:cNvPr id="163" name="Straight Connector 162">
+            <a:extLst>
+              <a:ext uri="{FF2B5EF4-FFF2-40B4-BE49-F238E27FC236}">
+                <a16:creationId xmlns:a16="http://schemas.microsoft.com/office/drawing/2014/main" id="{2B575B12-DBC9-42CF-8129-41F0FD7D12E1}"/>
+              </a:ext>
+            </a:extLst>
+          </p:cNvPr>
+          <p:cNvCxnSpPr>
+            <a:endCxn id="152" idx="0"/>
+          </p:cNvCxnSpPr>
+          <p:nvPr/>
+        </p:nvCxnSpPr>
+        <p:spPr>
+          <a:xfrm flipH="1">
+            <a:off x="6206569" y="4918255"/>
+            <a:ext cx="1372155" cy="1237525"/>
+          </a:xfrm>
+          <a:prstGeom prst="line">
+            <a:avLst/>
+          </a:prstGeom>
+        </p:spPr>
+        <p:style>
+          <a:lnRef idx="2">
+            <a:schemeClr val="dk1"/>
+          </a:lnRef>
+          <a:fillRef idx="0">
+            <a:schemeClr val="dk1"/>
+          </a:fillRef>
+          <a:effectRef idx="1">
+            <a:schemeClr val="dk1"/>
+          </a:effectRef>
+          <a:fontRef idx="minor">
+            <a:schemeClr val="tx1"/>
+          </a:fontRef>
+        </p:style>
+      </p:cxnSp>
     </p:spTree>
     <p:extLst>
       <p:ext uri="{BB962C8B-B14F-4D97-AF65-F5344CB8AC3E}">
-        <p14:creationId xmlns:p14="http://schemas.microsoft.com/office/powerpoint/2010/main" val="3659674305"/>
+        <p14:creationId xmlns:p14="http://schemas.microsoft.com/office/powerpoint/2010/main" val="3898888947"/>
+      </p:ext>
+    </p:extLst>
+  </p:cSld>
+  <p:clrMapOvr>
+    <a:masterClrMapping/>
+  </p:clrMapOvr>
+</p:sld>
+</file>
+
+<file path=ppt/slides/slide4.xml><?xml version="1.0" encoding="utf-8"?>
+<p:sld xmlns:a="http://schemas.openxmlformats.org/drawingml/2006/main" xmlns:r="http://schemas.openxmlformats.org/officeDocument/2006/relationships" xmlns:p="http://schemas.openxmlformats.org/presentationml/2006/main">
+  <p:cSld>
+    <p:spTree>
+      <p:nvGrpSpPr>
+        <p:cNvPr id="1" name=""/>
+        <p:cNvGrpSpPr/>
+        <p:nvPr/>
+      </p:nvGrpSpPr>
+      <p:grpSpPr>
+        <a:xfrm>
+          <a:off x="0" y="0"/>
+          <a:ext cx="0" cy="0"/>
+          <a:chOff x="0" y="0"/>
+          <a:chExt cx="0" cy="0"/>
+        </a:xfrm>
+      </p:grpSpPr>
+      <p:sp>
+        <p:nvSpPr>
+          <p:cNvPr id="4" name="Title 3"/>
+          <p:cNvSpPr>
+            <a:spLocks noGrp="1"/>
+          </p:cNvSpPr>
+          <p:nvPr>
+            <p:ph type="title"/>
+          </p:nvPr>
+        </p:nvSpPr>
+        <p:spPr>
+          <a:xfrm>
+            <a:off x="467544" y="16778"/>
+            <a:ext cx="8676456" cy="1069514"/>
+          </a:xfrm>
+        </p:spPr>
+        <p:txBody>
+          <a:bodyPr/>
+          <a:lstStyle/>
+          <a:p>
+            <a:r>
+              <a:rPr lang="en-US" altLang="ko-KR" dirty="0"/>
+              <a:t>Trial Run – Warehouse #1</a:t>
+            </a:r>
+            <a:endParaRPr lang="ko-KR" altLang="en-US" dirty="0"/>
+          </a:p>
+        </p:txBody>
+      </p:sp>
+    </p:spTree>
+    <p:extLst>
+      <p:ext uri="{BB962C8B-B14F-4D97-AF65-F5344CB8AC3E}">
+        <p14:creationId xmlns:p14="http://schemas.microsoft.com/office/powerpoint/2010/main" val="318362444"/>
       </p:ext>
     </p:extLst>
   </p:cSld>
@@ -4929,4 +7711,299 @@
   <a:objectDefaults/>
   <a:extraClrSchemeLst/>
 </a:theme>
+</file>
+
+<file path=ppt/theme/theme3.xml><?xml version="1.0" encoding="utf-8"?>
+<a:theme xmlns:a="http://schemas.openxmlformats.org/drawingml/2006/main" name="Office Theme">
+  <a:themeElements>
+    <a:clrScheme name="Office">
+      <a:dk1>
+        <a:sysClr val="windowText" lastClr="000000"/>
+      </a:dk1>
+      <a:lt1>
+        <a:sysClr val="window" lastClr="FFFFFF"/>
+      </a:lt1>
+      <a:dk2>
+        <a:srgbClr val="44546A"/>
+      </a:dk2>
+      <a:lt2>
+        <a:srgbClr val="E7E6E6"/>
+      </a:lt2>
+      <a:accent1>
+        <a:srgbClr val="4472C4"/>
+      </a:accent1>
+      <a:accent2>
+        <a:srgbClr val="ED7D31"/>
+      </a:accent2>
+      <a:accent3>
+        <a:srgbClr val="A5A5A5"/>
+      </a:accent3>
+      <a:accent4>
+        <a:srgbClr val="FFC000"/>
+      </a:accent4>
+      <a:accent5>
+        <a:srgbClr val="5B9BD5"/>
+      </a:accent5>
+      <a:accent6>
+        <a:srgbClr val="70AD47"/>
+      </a:accent6>
+      <a:hlink>
+        <a:srgbClr val="0563C1"/>
+      </a:hlink>
+      <a:folHlink>
+        <a:srgbClr val="954F72"/>
+      </a:folHlink>
+    </a:clrScheme>
+    <a:fontScheme name="Office">
+      <a:majorFont>
+        <a:latin typeface="Calibri Light" panose="020F0302020204030204"/>
+        <a:ea typeface=""/>
+        <a:cs typeface=""/>
+        <a:font script="Jpan" typeface="游ゴシック Light"/>
+        <a:font script="Hang" typeface="맑은 고딕"/>
+        <a:font script="Hans" typeface="等线 Light"/>
+        <a:font script="Hant" typeface="新細明體"/>
+        <a:font script="Arab" typeface="Times New Roman"/>
+        <a:font script="Hebr" typeface="Times New Roman"/>
+        <a:font script="Thai" typeface="Angsana New"/>
+        <a:font script="Ethi" typeface="Nyala"/>
+        <a:font script="Beng" typeface="Vrinda"/>
+        <a:font script="Gujr" typeface="Shruti"/>
+        <a:font script="Khmr" typeface="MoolBoran"/>
+        <a:font script="Knda" typeface="Tunga"/>
+        <a:font script="Guru" typeface="Raavi"/>
+        <a:font script="Cans" typeface="Euphemia"/>
+        <a:font script="Cher" typeface="Plantagenet Cherokee"/>
+        <a:font script="Yiii" typeface="Microsoft Yi Baiti"/>
+        <a:font script="Tibt" typeface="Microsoft Himalaya"/>
+        <a:font script="Thaa" typeface="MV Boli"/>
+        <a:font script="Deva" typeface="Mangal"/>
+        <a:font script="Telu" typeface="Gautami"/>
+        <a:font script="Taml" typeface="Latha"/>
+        <a:font script="Syrc" typeface="Estrangelo Edessa"/>
+        <a:font script="Orya" typeface="Kalinga"/>
+        <a:font script="Mlym" typeface="Kartika"/>
+        <a:font script="Laoo" typeface="DokChampa"/>
+        <a:font script="Sinh" typeface="Iskoola Pota"/>
+        <a:font script="Mong" typeface="Mongolian Baiti"/>
+        <a:font script="Viet" typeface="Times New Roman"/>
+        <a:font script="Uigh" typeface="Microsoft Uighur"/>
+        <a:font script="Geor" typeface="Sylfaen"/>
+        <a:font script="Armn" typeface="Arial"/>
+        <a:font script="Bugi" typeface="Leelawadee UI"/>
+        <a:font script="Bopo" typeface="Microsoft JhengHei"/>
+        <a:font script="Java" typeface="Javanese Text"/>
+        <a:font script="Lisu" typeface="Segoe UI"/>
+        <a:font script="Mymr" typeface="Myanmar Text"/>
+        <a:font script="Nkoo" typeface="Ebrima"/>
+        <a:font script="Olck" typeface="Nirmala UI"/>
+        <a:font script="Osma" typeface="Ebrima"/>
+        <a:font script="Phag" typeface="Phagspa"/>
+        <a:font script="Syrn" typeface="Estrangelo Edessa"/>
+        <a:font script="Syrj" typeface="Estrangelo Edessa"/>
+        <a:font script="Syre" typeface="Estrangelo Edessa"/>
+        <a:font script="Sora" typeface="Nirmala UI"/>
+        <a:font script="Tale" typeface="Microsoft Tai Le"/>
+        <a:font script="Talu" typeface="Microsoft New Tai Lue"/>
+        <a:font script="Tfng" typeface="Ebrima"/>
+      </a:majorFont>
+      <a:minorFont>
+        <a:latin typeface="Calibri" panose="020F0502020204030204"/>
+        <a:ea typeface=""/>
+        <a:cs typeface=""/>
+        <a:font script="Jpan" typeface="游ゴシック"/>
+        <a:font script="Hang" typeface="맑은 고딕"/>
+        <a:font script="Hans" typeface="等线"/>
+        <a:font script="Hant" typeface="新細明體"/>
+        <a:font script="Arab" typeface="Arial"/>
+        <a:font script="Hebr" typeface="Arial"/>
+        <a:font script="Thai" typeface="Cordia New"/>
+        <a:font script="Ethi" typeface="Nyala"/>
+        <a:font script="Beng" typeface="Vrinda"/>
+        <a:font script="Gujr" typeface="Shruti"/>
+        <a:font script="Khmr" typeface="DaunPenh"/>
+        <a:font script="Knda" typeface="Tunga"/>
+        <a:font script="Guru" typeface="Raavi"/>
+        <a:font script="Cans" typeface="Euphemia"/>
+        <a:font script="Cher" typeface="Plantagenet Cherokee"/>
+        <a:font script="Yiii" typeface="Microsoft Yi Baiti"/>
+        <a:font script="Tibt" typeface="Microsoft Himalaya"/>
+        <a:font script="Thaa" typeface="MV Boli"/>
+        <a:font script="Deva" typeface="Mangal"/>
+        <a:font script="Telu" typeface="Gautami"/>
+        <a:font script="Taml" typeface="Latha"/>
+        <a:font script="Syrc" typeface="Estrangelo Edessa"/>
+        <a:font script="Orya" typeface="Kalinga"/>
+        <a:font script="Mlym" typeface="Kartika"/>
+        <a:font script="Laoo" typeface="DokChampa"/>
+        <a:font script="Sinh" typeface="Iskoola Pota"/>
+        <a:font script="Mong" typeface="Mongolian Baiti"/>
+        <a:font script="Viet" typeface="Arial"/>
+        <a:font script="Uigh" typeface="Microsoft Uighur"/>
+        <a:font script="Geor" typeface="Sylfaen"/>
+        <a:font script="Armn" typeface="Arial"/>
+        <a:font script="Bugi" typeface="Leelawadee UI"/>
+        <a:font script="Bopo" typeface="Microsoft JhengHei"/>
+        <a:font script="Java" typeface="Javanese Text"/>
+        <a:font script="Lisu" typeface="Segoe UI"/>
+        <a:font script="Mymr" typeface="Myanmar Text"/>
+        <a:font script="Nkoo" typeface="Ebrima"/>
+        <a:font script="Olck" typeface="Nirmala UI"/>
+        <a:font script="Osma" typeface="Ebrima"/>
+        <a:font script="Phag" typeface="Phagspa"/>
+        <a:font script="Syrn" typeface="Estrangelo Edessa"/>
+        <a:font script="Syrj" typeface="Estrangelo Edessa"/>
+        <a:font script="Syre" typeface="Estrangelo Edessa"/>
+        <a:font script="Sora" typeface="Nirmala UI"/>
+        <a:font script="Tale" typeface="Microsoft Tai Le"/>
+        <a:font script="Talu" typeface="Microsoft New Tai Lue"/>
+        <a:font script="Tfng" typeface="Ebrima"/>
+      </a:minorFont>
+    </a:fontScheme>
+    <a:fmtScheme name="Office">
+      <a:fillStyleLst>
+        <a:solidFill>
+          <a:schemeClr val="phClr"/>
+        </a:solidFill>
+        <a:gradFill rotWithShape="1">
+          <a:gsLst>
+            <a:gs pos="0">
+              <a:schemeClr val="phClr">
+                <a:lumMod val="110000"/>
+                <a:satMod val="105000"/>
+                <a:tint val="67000"/>
+              </a:schemeClr>
+            </a:gs>
+            <a:gs pos="50000">
+              <a:schemeClr val="phClr">
+                <a:lumMod val="105000"/>
+                <a:satMod val="103000"/>
+                <a:tint val="73000"/>
+              </a:schemeClr>
+            </a:gs>
+            <a:gs pos="100000">
+              <a:schemeClr val="phClr">
+                <a:lumMod val="105000"/>
+                <a:satMod val="109000"/>
+                <a:tint val="81000"/>
+              </a:schemeClr>
+            </a:gs>
+          </a:gsLst>
+          <a:lin ang="5400000" scaled="0"/>
+        </a:gradFill>
+        <a:gradFill rotWithShape="1">
+          <a:gsLst>
+            <a:gs pos="0">
+              <a:schemeClr val="phClr">
+                <a:satMod val="103000"/>
+                <a:lumMod val="102000"/>
+                <a:tint val="94000"/>
+              </a:schemeClr>
+            </a:gs>
+            <a:gs pos="50000">
+              <a:schemeClr val="phClr">
+                <a:satMod val="110000"/>
+                <a:lumMod val="100000"/>
+                <a:shade val="100000"/>
+              </a:schemeClr>
+            </a:gs>
+            <a:gs pos="100000">
+              <a:schemeClr val="phClr">
+                <a:lumMod val="99000"/>
+                <a:satMod val="120000"/>
+                <a:shade val="78000"/>
+              </a:schemeClr>
+            </a:gs>
+          </a:gsLst>
+          <a:lin ang="5400000" scaled="0"/>
+        </a:gradFill>
+      </a:fillStyleLst>
+      <a:lnStyleLst>
+        <a:ln w="6350" cap="flat" cmpd="sng" algn="ctr">
+          <a:solidFill>
+            <a:schemeClr val="phClr"/>
+          </a:solidFill>
+          <a:prstDash val="solid"/>
+          <a:miter lim="800000"/>
+        </a:ln>
+        <a:ln w="12700" cap="flat" cmpd="sng" algn="ctr">
+          <a:solidFill>
+            <a:schemeClr val="phClr"/>
+          </a:solidFill>
+          <a:prstDash val="solid"/>
+          <a:miter lim="800000"/>
+        </a:ln>
+        <a:ln w="19050" cap="flat" cmpd="sng" algn="ctr">
+          <a:solidFill>
+            <a:schemeClr val="phClr"/>
+          </a:solidFill>
+          <a:prstDash val="solid"/>
+          <a:miter lim="800000"/>
+        </a:ln>
+      </a:lnStyleLst>
+      <a:effectStyleLst>
+        <a:effectStyle>
+          <a:effectLst/>
+        </a:effectStyle>
+        <a:effectStyle>
+          <a:effectLst/>
+        </a:effectStyle>
+        <a:effectStyle>
+          <a:effectLst>
+            <a:outerShdw blurRad="57150" dist="19050" dir="5400000" algn="ctr" rotWithShape="0">
+              <a:srgbClr val="000000">
+                <a:alpha val="63000"/>
+              </a:srgbClr>
+            </a:outerShdw>
+          </a:effectLst>
+        </a:effectStyle>
+      </a:effectStyleLst>
+      <a:bgFillStyleLst>
+        <a:solidFill>
+          <a:schemeClr val="phClr"/>
+        </a:solidFill>
+        <a:solidFill>
+          <a:schemeClr val="phClr">
+            <a:tint val="95000"/>
+            <a:satMod val="170000"/>
+          </a:schemeClr>
+        </a:solidFill>
+        <a:gradFill rotWithShape="1">
+          <a:gsLst>
+            <a:gs pos="0">
+              <a:schemeClr val="phClr">
+                <a:tint val="93000"/>
+                <a:satMod val="150000"/>
+                <a:shade val="98000"/>
+                <a:lumMod val="102000"/>
+              </a:schemeClr>
+            </a:gs>
+            <a:gs pos="50000">
+              <a:schemeClr val="phClr">
+                <a:tint val="98000"/>
+                <a:satMod val="130000"/>
+                <a:shade val="90000"/>
+                <a:lumMod val="103000"/>
+              </a:schemeClr>
+            </a:gs>
+            <a:gs pos="100000">
+              <a:schemeClr val="phClr">
+                <a:shade val="63000"/>
+                <a:satMod val="120000"/>
+              </a:schemeClr>
+            </a:gs>
+          </a:gsLst>
+          <a:lin ang="5400000" scaled="0"/>
+        </a:gradFill>
+      </a:bgFillStyleLst>
+    </a:fmtScheme>
+  </a:themeElements>
+  <a:objectDefaults/>
+  <a:extraClrSchemeLst/>
+  <a:extLst>
+    <a:ext uri="{05A4C25C-085E-4340-85A3-A5531E510DB2}">
+      <thm15:themeFamily xmlns:thm15="http://schemas.microsoft.com/office/thememl/2012/main" name="Office Theme" id="{62F939B6-93AF-4DB8-9C6B-D6C7DFDC589F}" vid="{4A3C46E8-61CC-4603-A589-7422A47A8E4A}"/>
+    </a:ext>
+  </a:extLst>
+</a:theme>
 </file>
--- a/Robot Warehouse Navigation - CS8803-001 AI for Robotics.pptx
+++ b/Robot Warehouse Navigation - CS8803-001 AI for Robotics.pptx
@@ -6,13 +6,15 @@
     <p:sldMasterId id="2147483661" r:id="rId2"/>
   </p:sldMasterIdLst>
   <p:notesMasterIdLst>
-    <p:notesMasterId r:id="rId7"/>
+    <p:notesMasterId r:id="rId9"/>
   </p:notesMasterIdLst>
   <p:sldIdLst>
     <p:sldId id="256" r:id="rId3"/>
     <p:sldId id="257" r:id="rId4"/>
     <p:sldId id="260" r:id="rId5"/>
     <p:sldId id="261" r:id="rId6"/>
+    <p:sldId id="262" r:id="rId7"/>
+    <p:sldId id="263" r:id="rId8"/>
   </p:sldIdLst>
   <p:sldSz cx="9144000" cy="6858000" type="screen4x3"/>
   <p:notesSz cx="6858000" cy="9144000"/>
@@ -638,6 +640,174 @@
     <p:extLst>
       <p:ext uri="{BB962C8B-B14F-4D97-AF65-F5344CB8AC3E}">
         <p14:creationId xmlns:p14="http://schemas.microsoft.com/office/powerpoint/2010/main" val="2493347089"/>
+      </p:ext>
+    </p:extLst>
+  </p:cSld>
+  <p:clrMapOvr>
+    <a:masterClrMapping/>
+  </p:clrMapOvr>
+</p:notes>
+</file>
+
+<file path=ppt/notesSlides/notesSlide3.xml><?xml version="1.0" encoding="utf-8"?>
+<p:notes xmlns:a="http://schemas.openxmlformats.org/drawingml/2006/main" xmlns:r="http://schemas.openxmlformats.org/officeDocument/2006/relationships" xmlns:p="http://schemas.openxmlformats.org/presentationml/2006/main">
+  <p:cSld>
+    <p:spTree>
+      <p:nvGrpSpPr>
+        <p:cNvPr id="1" name=""/>
+        <p:cNvGrpSpPr/>
+        <p:nvPr/>
+      </p:nvGrpSpPr>
+      <p:grpSpPr>
+        <a:xfrm>
+          <a:off x="0" y="0"/>
+          <a:ext cx="0" cy="0"/>
+          <a:chOff x="0" y="0"/>
+          <a:chExt cx="0" cy="0"/>
+        </a:xfrm>
+      </p:grpSpPr>
+      <p:sp>
+        <p:nvSpPr>
+          <p:cNvPr id="2" name="Slide Image Placeholder 1"/>
+          <p:cNvSpPr>
+            <a:spLocks noGrp="1" noRot="1" noChangeAspect="1"/>
+          </p:cNvSpPr>
+          <p:nvPr>
+            <p:ph type="sldImg"/>
+          </p:nvPr>
+        </p:nvSpPr>
+        <p:spPr/>
+      </p:sp>
+      <p:sp>
+        <p:nvSpPr>
+          <p:cNvPr id="3" name="Notes Placeholder 2"/>
+          <p:cNvSpPr>
+            <a:spLocks noGrp="1"/>
+          </p:cNvSpPr>
+          <p:nvPr>
+            <p:ph type="body" idx="1"/>
+          </p:nvPr>
+        </p:nvSpPr>
+        <p:spPr/>
+        <p:txBody>
+          <a:bodyPr/>
+          <a:lstStyle/>
+          <a:p>
+            <a:endParaRPr lang="en-US" dirty="0"/>
+          </a:p>
+        </p:txBody>
+      </p:sp>
+      <p:sp>
+        <p:nvSpPr>
+          <p:cNvPr id="4" name="Slide Number Placeholder 3"/>
+          <p:cNvSpPr>
+            <a:spLocks noGrp="1"/>
+          </p:cNvSpPr>
+          <p:nvPr>
+            <p:ph type="sldNum" sz="quarter" idx="10"/>
+          </p:nvPr>
+        </p:nvSpPr>
+        <p:spPr/>
+        <p:txBody>
+          <a:bodyPr/>
+          <a:lstStyle/>
+          <a:p>
+            <a:fld id="{7BA3159C-95C6-43DB-AA02-1E97CD25682D}" type="slidenum">
+              <a:rPr lang="en-US" smtClean="0"/>
+              <a:t>5</a:t>
+            </a:fld>
+            <a:endParaRPr lang="en-US"/>
+          </a:p>
+        </p:txBody>
+      </p:sp>
+    </p:spTree>
+    <p:extLst>
+      <p:ext uri="{BB962C8B-B14F-4D97-AF65-F5344CB8AC3E}">
+        <p14:creationId xmlns:p14="http://schemas.microsoft.com/office/powerpoint/2010/main" val="101435682"/>
+      </p:ext>
+    </p:extLst>
+  </p:cSld>
+  <p:clrMapOvr>
+    <a:masterClrMapping/>
+  </p:clrMapOvr>
+</p:notes>
+</file>
+
+<file path=ppt/notesSlides/notesSlide4.xml><?xml version="1.0" encoding="utf-8"?>
+<p:notes xmlns:a="http://schemas.openxmlformats.org/drawingml/2006/main" xmlns:r="http://schemas.openxmlformats.org/officeDocument/2006/relationships" xmlns:p="http://schemas.openxmlformats.org/presentationml/2006/main">
+  <p:cSld>
+    <p:spTree>
+      <p:nvGrpSpPr>
+        <p:cNvPr id="1" name=""/>
+        <p:cNvGrpSpPr/>
+        <p:nvPr/>
+      </p:nvGrpSpPr>
+      <p:grpSpPr>
+        <a:xfrm>
+          <a:off x="0" y="0"/>
+          <a:ext cx="0" cy="0"/>
+          <a:chOff x="0" y="0"/>
+          <a:chExt cx="0" cy="0"/>
+        </a:xfrm>
+      </p:grpSpPr>
+      <p:sp>
+        <p:nvSpPr>
+          <p:cNvPr id="2" name="Slide Image Placeholder 1"/>
+          <p:cNvSpPr>
+            <a:spLocks noGrp="1" noRot="1" noChangeAspect="1"/>
+          </p:cNvSpPr>
+          <p:nvPr>
+            <p:ph type="sldImg"/>
+          </p:nvPr>
+        </p:nvSpPr>
+        <p:spPr/>
+      </p:sp>
+      <p:sp>
+        <p:nvSpPr>
+          <p:cNvPr id="3" name="Notes Placeholder 2"/>
+          <p:cNvSpPr>
+            <a:spLocks noGrp="1"/>
+          </p:cNvSpPr>
+          <p:nvPr>
+            <p:ph type="body" idx="1"/>
+          </p:nvPr>
+        </p:nvSpPr>
+        <p:spPr/>
+        <p:txBody>
+          <a:bodyPr/>
+          <a:lstStyle/>
+          <a:p>
+            <a:endParaRPr lang="en-US" dirty="0"/>
+          </a:p>
+        </p:txBody>
+      </p:sp>
+      <p:sp>
+        <p:nvSpPr>
+          <p:cNvPr id="4" name="Slide Number Placeholder 3"/>
+          <p:cNvSpPr>
+            <a:spLocks noGrp="1"/>
+          </p:cNvSpPr>
+          <p:nvPr>
+            <p:ph type="sldNum" sz="quarter" idx="10"/>
+          </p:nvPr>
+        </p:nvSpPr>
+        <p:spPr/>
+        <p:txBody>
+          <a:bodyPr/>
+          <a:lstStyle/>
+          <a:p>
+            <a:fld id="{7BA3159C-95C6-43DB-AA02-1E97CD25682D}" type="slidenum">
+              <a:rPr lang="en-US" smtClean="0"/>
+              <a:t>6</a:t>
+            </a:fld>
+            <a:endParaRPr lang="en-US"/>
+          </a:p>
+        </p:txBody>
+      </p:sp>
+    </p:spTree>
+    <p:extLst>
+      <p:ext uri="{BB962C8B-B14F-4D97-AF65-F5344CB8AC3E}">
+        <p14:creationId xmlns:p14="http://schemas.microsoft.com/office/powerpoint/2010/main" val="344284267"/>
       </p:ext>
     </p:extLst>
   </p:cSld>
@@ -4306,7 +4476,7 @@
         <p:spPr>
           <a:xfrm>
             <a:off x="539552" y="3789040"/>
-            <a:ext cx="4788024" cy="830997"/>
+            <a:ext cx="4788024" cy="954107"/>
           </a:xfrm>
           <a:prstGeom prst="rect">
             <a:avLst/>
@@ -4329,7 +4499,7 @@
               <a:defRPr/>
             </a:pPr>
             <a:r>
-              <a:rPr kumimoji="0" lang="en-US" altLang="ko-KR" sz="1200" b="1" dirty="0">
+              <a:rPr kumimoji="0" lang="en-US" altLang="ko-KR" sz="1400" b="1" dirty="0">
                 <a:solidFill>
                   <a:schemeClr val="tx1">
                     <a:lumMod val="75000"/>
@@ -4342,7 +4512,7 @@
               <a:t>Georgia Institute of Technology</a:t>
             </a:r>
             <a:br>
-              <a:rPr kumimoji="0" lang="en-US" altLang="ko-KR" sz="1200" b="1" dirty="0">
+              <a:rPr kumimoji="0" lang="en-US" altLang="ko-KR" sz="1400" b="1" dirty="0">
                 <a:solidFill>
                   <a:schemeClr val="tx1">
                     <a:lumMod val="75000"/>
@@ -4354,7 +4524,7 @@
               </a:rPr>
             </a:br>
             <a:r>
-              <a:rPr kumimoji="0" lang="en-US" altLang="ko-KR" sz="1200" b="1" dirty="0">
+              <a:rPr kumimoji="0" lang="en-US" altLang="ko-KR" sz="1400" b="1" dirty="0">
                 <a:solidFill>
                   <a:schemeClr val="tx1">
                     <a:lumMod val="75000"/>
@@ -4378,7 +4548,7 @@
               <a:defRPr/>
             </a:pPr>
             <a:r>
-              <a:rPr lang="en-US" altLang="ko-KR" sz="1200" b="1" dirty="0">
+              <a:rPr lang="en-US" altLang="ko-KR" sz="1400" b="1" dirty="0">
                 <a:solidFill>
                   <a:schemeClr val="tx1">
                     <a:lumMod val="75000"/>
@@ -4402,7 +4572,7 @@
               <a:defRPr/>
             </a:pPr>
             <a:r>
-              <a:rPr kumimoji="0" lang="en-US" altLang="ko-KR" sz="1200" b="1" dirty="0">
+              <a:rPr kumimoji="0" lang="en-US" altLang="ko-KR" sz="1400" b="1" dirty="0">
                 <a:solidFill>
                   <a:schemeClr val="tx1">
                     <a:lumMod val="75000"/>
@@ -4641,7 +4811,7 @@
         </p:nvSpPr>
         <p:spPr>
           <a:xfrm>
-            <a:off x="467544" y="1484784"/>
+            <a:off x="467544" y="1268760"/>
             <a:ext cx="8229600" cy="3600400"/>
           </a:xfrm>
         </p:spPr>
@@ -4663,7 +4833,7 @@
                 <a:latin typeface="Arial" pitchFamily="34" charset="0"/>
                 <a:cs typeface="Arial" pitchFamily="34" charset="0"/>
               </a:rPr>
-              <a:t>Devise a program to navigate a robot within a simulated warehouse.  The goal of the robot is to collect all the boxes and bring them back to the drop zone. Any collision with the walls or boxes are considered failure.</a:t>
+              <a:t>Devise a program to navigate a robot within a simulated warehouse.  The goal of the robot is to collect all the boxes and bring them back to the drop zone. Any collision with walls or boxes are considered failure.</a:t>
             </a:r>
             <a:r>
               <a:rPr lang="ko-KR" altLang="en-US" dirty="0">
@@ -4677,7 +4847,7 @@
                 <a:latin typeface="Arial" pitchFamily="34" charset="0"/>
                 <a:cs typeface="Arial" pitchFamily="34" charset="0"/>
               </a:rPr>
-              <a:t>The quicker (shorter path) the robot can collect all the boxes, the higher score the student receives. The program must work in various warehouses and box arrangements.  Exploration is not necessary – the robot already have knowledge of the locations of the boxes ahead of time.  </a:t>
+              <a:t>The quicker (shorter path) the robot can collect all the boxes, the higher score the student receives. The program must work in various warehouses and box arrangements.  Exploration is not necessary – the robot already have knowledge of the locations of the boxes ahead of time.  The robot can only carry one box at a time.</a:t>
             </a:r>
           </a:p>
         </p:txBody>
@@ -5563,7 +5733,7 @@
         </p:nvSpPr>
         <p:spPr>
           <a:xfrm>
-            <a:off x="467544" y="1484784"/>
+            <a:off x="467544" y="1278613"/>
             <a:ext cx="8229600" cy="1358299"/>
           </a:xfrm>
           <a:prstGeom prst="rect">
@@ -5732,7 +5902,7 @@
                 <a:latin typeface="Arial" pitchFamily="34" charset="0"/>
                 <a:cs typeface="Arial" pitchFamily="34" charset="0"/>
               </a:rPr>
-              <a:t> and carefully selected heuristic function (continuous linear distance from the box) contributes significantly to the efficient performance of the program.</a:t>
+              <a:t> and carefully selected heuristic function (continuous linear distance from the box) contributes significantly to the efficient performance of the program. Visualization generated with matplotlib.</a:t>
             </a:r>
           </a:p>
           <a:p>
@@ -6598,7 +6768,7 @@
         </p:nvSpPr>
         <p:spPr>
           <a:xfrm>
-            <a:off x="3702274" y="3510861"/>
+            <a:off x="3702274" y="3717032"/>
             <a:ext cx="1517797" cy="1358299"/>
           </a:xfrm>
           <a:prstGeom prst="rightArrow">
@@ -7130,10 +7300,707 @@
           </a:p>
         </p:txBody>
       </p:sp>
+      <p:pic>
+        <p:nvPicPr>
+          <p:cNvPr id="9" name="Picture 8">
+            <a:extLst>
+              <a:ext uri="{FF2B5EF4-FFF2-40B4-BE49-F238E27FC236}">
+                <a16:creationId xmlns:a16="http://schemas.microsoft.com/office/drawing/2014/main" id="{E35A1AB8-6E9D-4D6A-9B67-560769A40872}"/>
+              </a:ext>
+            </a:extLst>
+          </p:cNvPr>
+          <p:cNvPicPr>
+            <a:picLocks noChangeAspect="1"/>
+          </p:cNvPicPr>
+          <p:nvPr/>
+        </p:nvPicPr>
+        <p:blipFill>
+          <a:blip r:embed="rId3"/>
+          <a:stretch>
+            <a:fillRect/>
+          </a:stretch>
+        </p:blipFill>
+        <p:spPr>
+          <a:xfrm>
+            <a:off x="571614" y="1412776"/>
+            <a:ext cx="7960826" cy="5400600"/>
+          </a:xfrm>
+          <a:prstGeom prst="rect">
+            <a:avLst/>
+          </a:prstGeom>
+        </p:spPr>
+      </p:pic>
+      <p:sp>
+        <p:nvSpPr>
+          <p:cNvPr id="10" name="TextBox 9">
+            <a:extLst>
+              <a:ext uri="{FF2B5EF4-FFF2-40B4-BE49-F238E27FC236}">
+                <a16:creationId xmlns:a16="http://schemas.microsoft.com/office/drawing/2014/main" id="{871802D1-014B-42AC-91AE-CF65E8B98EFA}"/>
+              </a:ext>
+            </a:extLst>
+          </p:cNvPr>
+          <p:cNvSpPr txBox="1"/>
+          <p:nvPr/>
+        </p:nvSpPr>
+        <p:spPr>
+          <a:xfrm>
+            <a:off x="1115616" y="1115452"/>
+            <a:ext cx="671209" cy="369332"/>
+          </a:xfrm>
+          <a:prstGeom prst="rect">
+            <a:avLst/>
+          </a:prstGeom>
+          <a:noFill/>
+        </p:spPr>
+        <p:txBody>
+          <a:bodyPr wrap="none" rtlCol="0">
+            <a:spAutoFit/>
+          </a:bodyPr>
+          <a:lstStyle/>
+          <a:p>
+            <a:r>
+              <a:rPr lang="en-US" dirty="0"/>
+              <a:t>Start</a:t>
+            </a:r>
+          </a:p>
+        </p:txBody>
+      </p:sp>
+      <p:sp>
+        <p:nvSpPr>
+          <p:cNvPr id="11" name="TextBox 10">
+            <a:extLst>
+              <a:ext uri="{FF2B5EF4-FFF2-40B4-BE49-F238E27FC236}">
+                <a16:creationId xmlns:a16="http://schemas.microsoft.com/office/drawing/2014/main" id="{1FDA62ED-7B16-4B23-BCAC-47371BEA9104}"/>
+              </a:ext>
+            </a:extLst>
+          </p:cNvPr>
+          <p:cNvSpPr txBox="1"/>
+          <p:nvPr/>
+        </p:nvSpPr>
+        <p:spPr>
+          <a:xfrm>
+            <a:off x="6333296" y="5723964"/>
+            <a:ext cx="1191032" cy="369332"/>
+          </a:xfrm>
+          <a:prstGeom prst="rect">
+            <a:avLst/>
+          </a:prstGeom>
+          <a:noFill/>
+        </p:spPr>
+        <p:txBody>
+          <a:bodyPr wrap="none" rtlCol="0">
+            <a:spAutoFit/>
+          </a:bodyPr>
+          <a:lstStyle/>
+          <a:p>
+            <a:r>
+              <a:rPr lang="en-US" dirty="0"/>
+              <a:t>Complete</a:t>
+            </a:r>
+          </a:p>
+        </p:txBody>
+      </p:sp>
     </p:spTree>
     <p:extLst>
       <p:ext uri="{BB962C8B-B14F-4D97-AF65-F5344CB8AC3E}">
         <p14:creationId xmlns:p14="http://schemas.microsoft.com/office/powerpoint/2010/main" val="318362444"/>
+      </p:ext>
+    </p:extLst>
+  </p:cSld>
+  <p:clrMapOvr>
+    <a:masterClrMapping/>
+  </p:clrMapOvr>
+</p:sld>
+</file>
+
+<file path=ppt/slides/slide5.xml><?xml version="1.0" encoding="utf-8"?>
+<p:sld xmlns:a="http://schemas.openxmlformats.org/drawingml/2006/main" xmlns:r="http://schemas.openxmlformats.org/officeDocument/2006/relationships" xmlns:p="http://schemas.openxmlformats.org/presentationml/2006/main">
+  <p:cSld>
+    <p:spTree>
+      <p:nvGrpSpPr>
+        <p:cNvPr id="1" name=""/>
+        <p:cNvGrpSpPr/>
+        <p:nvPr/>
+      </p:nvGrpSpPr>
+      <p:grpSpPr>
+        <a:xfrm>
+          <a:off x="0" y="0"/>
+          <a:ext cx="0" cy="0"/>
+          <a:chOff x="0" y="0"/>
+          <a:chExt cx="0" cy="0"/>
+        </a:xfrm>
+      </p:grpSpPr>
+      <p:sp>
+        <p:nvSpPr>
+          <p:cNvPr id="4" name="Title 3"/>
+          <p:cNvSpPr>
+            <a:spLocks noGrp="1"/>
+          </p:cNvSpPr>
+          <p:nvPr>
+            <p:ph type="title"/>
+          </p:nvPr>
+        </p:nvSpPr>
+        <p:spPr>
+          <a:xfrm>
+            <a:off x="467544" y="16778"/>
+            <a:ext cx="8676456" cy="1069514"/>
+          </a:xfrm>
+        </p:spPr>
+        <p:txBody>
+          <a:bodyPr/>
+          <a:lstStyle/>
+          <a:p>
+            <a:r>
+              <a:rPr lang="en-US" altLang="ko-KR" dirty="0"/>
+              <a:t>Trial Run – Warehouse #2</a:t>
+            </a:r>
+            <a:endParaRPr lang="ko-KR" altLang="en-US" dirty="0"/>
+          </a:p>
+        </p:txBody>
+      </p:sp>
+      <p:pic>
+        <p:nvPicPr>
+          <p:cNvPr id="2" name="Picture 1">
+            <a:extLst>
+              <a:ext uri="{FF2B5EF4-FFF2-40B4-BE49-F238E27FC236}">
+                <a16:creationId xmlns:a16="http://schemas.microsoft.com/office/drawing/2014/main" id="{51D10ED4-C952-4346-9C5A-606BA7BE27FD}"/>
+              </a:ext>
+            </a:extLst>
+          </p:cNvPr>
+          <p:cNvPicPr>
+            <a:picLocks noChangeAspect="1"/>
+          </p:cNvPicPr>
+          <p:nvPr/>
+        </p:nvPicPr>
+        <p:blipFill>
+          <a:blip r:embed="rId3"/>
+          <a:stretch>
+            <a:fillRect/>
+          </a:stretch>
+        </p:blipFill>
+        <p:spPr>
+          <a:xfrm>
+            <a:off x="467544" y="1484784"/>
+            <a:ext cx="8248433" cy="5008263"/>
+          </a:xfrm>
+          <a:prstGeom prst="rect">
+            <a:avLst/>
+          </a:prstGeom>
+        </p:spPr>
+      </p:pic>
+      <p:sp>
+        <p:nvSpPr>
+          <p:cNvPr id="8" name="TextBox 7">
+            <a:extLst>
+              <a:ext uri="{FF2B5EF4-FFF2-40B4-BE49-F238E27FC236}">
+                <a16:creationId xmlns:a16="http://schemas.microsoft.com/office/drawing/2014/main" id="{079B2134-2F8D-48E6-8158-B5C9D67354FC}"/>
+              </a:ext>
+            </a:extLst>
+          </p:cNvPr>
+          <p:cNvSpPr txBox="1"/>
+          <p:nvPr/>
+        </p:nvSpPr>
+        <p:spPr>
+          <a:xfrm>
+            <a:off x="6300192" y="6381328"/>
+            <a:ext cx="1191032" cy="369332"/>
+          </a:xfrm>
+          <a:prstGeom prst="rect">
+            <a:avLst/>
+          </a:prstGeom>
+          <a:noFill/>
+        </p:spPr>
+        <p:txBody>
+          <a:bodyPr wrap="none" rtlCol="0">
+            <a:spAutoFit/>
+          </a:bodyPr>
+          <a:lstStyle/>
+          <a:p>
+            <a:r>
+              <a:rPr lang="en-US" dirty="0"/>
+              <a:t>Complete</a:t>
+            </a:r>
+          </a:p>
+        </p:txBody>
+      </p:sp>
+      <p:sp>
+        <p:nvSpPr>
+          <p:cNvPr id="13" name="TextBox 12">
+            <a:extLst>
+              <a:ext uri="{FF2B5EF4-FFF2-40B4-BE49-F238E27FC236}">
+                <a16:creationId xmlns:a16="http://schemas.microsoft.com/office/drawing/2014/main" id="{519A0752-56BE-4D45-9BD7-FAD43DD81FF7}"/>
+              </a:ext>
+            </a:extLst>
+          </p:cNvPr>
+          <p:cNvSpPr txBox="1"/>
+          <p:nvPr/>
+        </p:nvSpPr>
+        <p:spPr>
+          <a:xfrm>
+            <a:off x="3419873" y="6422900"/>
+            <a:ext cx="1245534" cy="369332"/>
+          </a:xfrm>
+          <a:prstGeom prst="rect">
+            <a:avLst/>
+          </a:prstGeom>
+          <a:noFill/>
+        </p:spPr>
+        <p:txBody>
+          <a:bodyPr wrap="none" rtlCol="0">
+            <a:spAutoFit/>
+          </a:bodyPr>
+          <a:lstStyle/>
+          <a:p>
+            <a:r>
+              <a:rPr lang="en-US" dirty="0"/>
+              <a:t>200</a:t>
+            </a:r>
+            <a:r>
+              <a:rPr lang="en-US" baseline="30000" dirty="0"/>
+              <a:t>th</a:t>
+            </a:r>
+            <a:r>
+              <a:rPr lang="en-US" dirty="0"/>
+              <a:t> Step</a:t>
+            </a:r>
+          </a:p>
+        </p:txBody>
+      </p:sp>
+      <p:sp>
+        <p:nvSpPr>
+          <p:cNvPr id="15" name="TextBox 14">
+            <a:extLst>
+              <a:ext uri="{FF2B5EF4-FFF2-40B4-BE49-F238E27FC236}">
+                <a16:creationId xmlns:a16="http://schemas.microsoft.com/office/drawing/2014/main" id="{D5CF8BE0-5381-4EF3-BBA4-C179C2D7D786}"/>
+              </a:ext>
+            </a:extLst>
+          </p:cNvPr>
+          <p:cNvSpPr txBox="1"/>
+          <p:nvPr/>
+        </p:nvSpPr>
+        <p:spPr>
+          <a:xfrm>
+            <a:off x="539552" y="6422900"/>
+            <a:ext cx="1245534" cy="369332"/>
+          </a:xfrm>
+          <a:prstGeom prst="rect">
+            <a:avLst/>
+          </a:prstGeom>
+          <a:noFill/>
+        </p:spPr>
+        <p:txBody>
+          <a:bodyPr wrap="none" rtlCol="0">
+            <a:spAutoFit/>
+          </a:bodyPr>
+          <a:lstStyle/>
+          <a:p>
+            <a:r>
+              <a:rPr lang="en-US" dirty="0"/>
+              <a:t>124</a:t>
+            </a:r>
+            <a:r>
+              <a:rPr lang="en-US" baseline="30000" dirty="0"/>
+              <a:t>th</a:t>
+            </a:r>
+            <a:r>
+              <a:rPr lang="en-US" dirty="0"/>
+              <a:t> Step</a:t>
+            </a:r>
+          </a:p>
+        </p:txBody>
+      </p:sp>
+      <p:sp>
+        <p:nvSpPr>
+          <p:cNvPr id="16" name="TextBox 15">
+            <a:extLst>
+              <a:ext uri="{FF2B5EF4-FFF2-40B4-BE49-F238E27FC236}">
+                <a16:creationId xmlns:a16="http://schemas.microsoft.com/office/drawing/2014/main" id="{517AE5C8-1D73-4D3C-83A7-1A21DC80E21A}"/>
+              </a:ext>
+            </a:extLst>
+          </p:cNvPr>
+          <p:cNvSpPr txBox="1"/>
+          <p:nvPr/>
+        </p:nvSpPr>
+        <p:spPr>
+          <a:xfrm>
+            <a:off x="539552" y="3573016"/>
+            <a:ext cx="671209" cy="369332"/>
+          </a:xfrm>
+          <a:prstGeom prst="rect">
+            <a:avLst/>
+          </a:prstGeom>
+          <a:noFill/>
+        </p:spPr>
+        <p:txBody>
+          <a:bodyPr wrap="none" rtlCol="0">
+            <a:spAutoFit/>
+          </a:bodyPr>
+          <a:lstStyle/>
+          <a:p>
+            <a:r>
+              <a:rPr lang="en-US" dirty="0"/>
+              <a:t>Start</a:t>
+            </a:r>
+          </a:p>
+        </p:txBody>
+      </p:sp>
+      <p:sp>
+        <p:nvSpPr>
+          <p:cNvPr id="17" name="TextBox 16">
+            <a:extLst>
+              <a:ext uri="{FF2B5EF4-FFF2-40B4-BE49-F238E27FC236}">
+                <a16:creationId xmlns:a16="http://schemas.microsoft.com/office/drawing/2014/main" id="{03BEE020-16D1-4865-AA0C-3CDB3BD1DEAC}"/>
+              </a:ext>
+            </a:extLst>
+          </p:cNvPr>
+          <p:cNvSpPr txBox="1"/>
+          <p:nvPr/>
+        </p:nvSpPr>
+        <p:spPr>
+          <a:xfrm>
+            <a:off x="3420742" y="3573016"/>
+            <a:ext cx="1118896" cy="369332"/>
+          </a:xfrm>
+          <a:prstGeom prst="rect">
+            <a:avLst/>
+          </a:prstGeom>
+          <a:noFill/>
+        </p:spPr>
+        <p:txBody>
+          <a:bodyPr wrap="none" rtlCol="0">
+            <a:spAutoFit/>
+          </a:bodyPr>
+          <a:lstStyle/>
+          <a:p>
+            <a:r>
+              <a:rPr lang="en-US" dirty="0"/>
+              <a:t>17</a:t>
+            </a:r>
+            <a:r>
+              <a:rPr lang="en-US" baseline="30000" dirty="0"/>
+              <a:t>th</a:t>
+            </a:r>
+            <a:r>
+              <a:rPr lang="en-US" dirty="0"/>
+              <a:t> Step</a:t>
+            </a:r>
+          </a:p>
+        </p:txBody>
+      </p:sp>
+      <p:sp>
+        <p:nvSpPr>
+          <p:cNvPr id="18" name="TextBox 17">
+            <a:extLst>
+              <a:ext uri="{FF2B5EF4-FFF2-40B4-BE49-F238E27FC236}">
+                <a16:creationId xmlns:a16="http://schemas.microsoft.com/office/drawing/2014/main" id="{CD0BEBE9-9C55-4E9A-9387-447070A63E7B}"/>
+              </a:ext>
+            </a:extLst>
+          </p:cNvPr>
+          <p:cNvSpPr txBox="1"/>
+          <p:nvPr/>
+        </p:nvSpPr>
+        <p:spPr>
+          <a:xfrm>
+            <a:off x="6301062" y="3586816"/>
+            <a:ext cx="1118896" cy="369332"/>
+          </a:xfrm>
+          <a:prstGeom prst="rect">
+            <a:avLst/>
+          </a:prstGeom>
+          <a:noFill/>
+        </p:spPr>
+        <p:txBody>
+          <a:bodyPr wrap="none" rtlCol="0">
+            <a:spAutoFit/>
+          </a:bodyPr>
+          <a:lstStyle/>
+          <a:p>
+            <a:r>
+              <a:rPr lang="en-US" dirty="0"/>
+              <a:t>61</a:t>
+            </a:r>
+            <a:r>
+              <a:rPr lang="en-US" baseline="30000" dirty="0"/>
+              <a:t>th</a:t>
+            </a:r>
+            <a:r>
+              <a:rPr lang="en-US" dirty="0"/>
+              <a:t> Step</a:t>
+            </a:r>
+          </a:p>
+        </p:txBody>
+      </p:sp>
+    </p:spTree>
+    <p:extLst>
+      <p:ext uri="{BB962C8B-B14F-4D97-AF65-F5344CB8AC3E}">
+        <p14:creationId xmlns:p14="http://schemas.microsoft.com/office/powerpoint/2010/main" val="3338065627"/>
+      </p:ext>
+    </p:extLst>
+  </p:cSld>
+  <p:clrMapOvr>
+    <a:masterClrMapping/>
+  </p:clrMapOvr>
+</p:sld>
+</file>
+
+<file path=ppt/slides/slide6.xml><?xml version="1.0" encoding="utf-8"?>
+<p:sld xmlns:a="http://schemas.openxmlformats.org/drawingml/2006/main" xmlns:r="http://schemas.openxmlformats.org/officeDocument/2006/relationships" xmlns:p="http://schemas.openxmlformats.org/presentationml/2006/main">
+  <p:cSld>
+    <p:spTree>
+      <p:nvGrpSpPr>
+        <p:cNvPr id="1" name=""/>
+        <p:cNvGrpSpPr/>
+        <p:nvPr/>
+      </p:nvGrpSpPr>
+      <p:grpSpPr>
+        <a:xfrm>
+          <a:off x="0" y="0"/>
+          <a:ext cx="0" cy="0"/>
+          <a:chOff x="0" y="0"/>
+          <a:chExt cx="0" cy="0"/>
+        </a:xfrm>
+      </p:grpSpPr>
+      <p:sp>
+        <p:nvSpPr>
+          <p:cNvPr id="4" name="Title 3"/>
+          <p:cNvSpPr>
+            <a:spLocks noGrp="1"/>
+          </p:cNvSpPr>
+          <p:nvPr>
+            <p:ph type="title"/>
+          </p:nvPr>
+        </p:nvSpPr>
+        <p:spPr>
+          <a:xfrm>
+            <a:off x="467544" y="16778"/>
+            <a:ext cx="8676456" cy="1069514"/>
+          </a:xfrm>
+        </p:spPr>
+        <p:txBody>
+          <a:bodyPr/>
+          <a:lstStyle/>
+          <a:p>
+            <a:r>
+              <a:rPr lang="en-US" altLang="ko-KR" dirty="0"/>
+              <a:t>Conclusion</a:t>
+            </a:r>
+            <a:endParaRPr lang="ko-KR" altLang="en-US" dirty="0"/>
+          </a:p>
+        </p:txBody>
+      </p:sp>
+      <p:sp>
+        <p:nvSpPr>
+          <p:cNvPr id="6" name="Content Placeholder 5"/>
+          <p:cNvSpPr>
+            <a:spLocks noGrp="1"/>
+          </p:cNvSpPr>
+          <p:nvPr>
+            <p:ph idx="1"/>
+          </p:nvPr>
+        </p:nvSpPr>
+        <p:spPr/>
+        <p:txBody>
+          <a:bodyPr/>
+          <a:lstStyle/>
+          <a:p>
+            <a:r>
+              <a:rPr lang="en-US" b="1" dirty="0"/>
+              <a:t>	</a:t>
+            </a:r>
+            <a:endParaRPr lang="en-US" altLang="ko-KR" b="1" dirty="0">
+              <a:solidFill>
+                <a:schemeClr val="tx1">
+                  <a:lumMod val="75000"/>
+                  <a:lumOff val="25000"/>
+                </a:schemeClr>
+              </a:solidFill>
+              <a:latin typeface="Arial" pitchFamily="34" charset="0"/>
+              <a:cs typeface="Arial" pitchFamily="34" charset="0"/>
+            </a:endParaRPr>
+          </a:p>
+        </p:txBody>
+      </p:sp>
+      <p:sp>
+        <p:nvSpPr>
+          <p:cNvPr id="51" name="Content Placeholder 6">
+            <a:extLst>
+              <a:ext uri="{FF2B5EF4-FFF2-40B4-BE49-F238E27FC236}">
+                <a16:creationId xmlns:a16="http://schemas.microsoft.com/office/drawing/2014/main" id="{EE813095-3ED9-4F42-8D2E-21CBC129818F}"/>
+              </a:ext>
+            </a:extLst>
+          </p:cNvPr>
+          <p:cNvSpPr txBox="1">
+            <a:spLocks/>
+          </p:cNvSpPr>
+          <p:nvPr/>
+        </p:nvSpPr>
+        <p:spPr>
+          <a:xfrm>
+            <a:off x="467544" y="1484784"/>
+            <a:ext cx="8229600" cy="1358299"/>
+          </a:xfrm>
+          <a:prstGeom prst="rect">
+            <a:avLst/>
+          </a:prstGeom>
+        </p:spPr>
+        <p:txBody>
+          <a:bodyPr lIns="396000" anchor="t"/>
+          <a:lstStyle>
+            <a:lvl1pPr marL="0" indent="0" algn="l" defTabSz="914400" rtl="0" eaLnBrk="1" latinLnBrk="1" hangingPunct="1">
+              <a:spcBef>
+                <a:spcPct val="20000"/>
+              </a:spcBef>
+              <a:buFont typeface="Arial" pitchFamily="34" charset="0"/>
+              <a:buNone/>
+              <a:defRPr sz="1400" kern="1200">
+                <a:solidFill>
+                  <a:schemeClr val="tx1">
+                    <a:lumMod val="75000"/>
+                    <a:lumOff val="25000"/>
+                  </a:schemeClr>
+                </a:solidFill>
+                <a:latin typeface="+mn-lt"/>
+                <a:ea typeface="+mn-ea"/>
+                <a:cs typeface="+mn-cs"/>
+              </a:defRPr>
+            </a:lvl1pPr>
+            <a:lvl2pPr marL="742950" indent="-285750" algn="l" defTabSz="914400" rtl="0" eaLnBrk="1" latinLnBrk="1" hangingPunct="1">
+              <a:spcBef>
+                <a:spcPct val="20000"/>
+              </a:spcBef>
+              <a:buFont typeface="Arial" pitchFamily="34" charset="0"/>
+              <a:buChar char="–"/>
+              <a:defRPr sz="2800" kern="1200">
+                <a:solidFill>
+                  <a:schemeClr val="tx1"/>
+                </a:solidFill>
+                <a:latin typeface="+mn-lt"/>
+                <a:ea typeface="+mn-ea"/>
+                <a:cs typeface="+mn-cs"/>
+              </a:defRPr>
+            </a:lvl2pPr>
+            <a:lvl3pPr marL="1143000" indent="-228600" algn="l" defTabSz="914400" rtl="0" eaLnBrk="1" latinLnBrk="1" hangingPunct="1">
+              <a:spcBef>
+                <a:spcPct val="20000"/>
+              </a:spcBef>
+              <a:buFont typeface="Arial" pitchFamily="34" charset="0"/>
+              <a:buChar char="•"/>
+              <a:defRPr sz="2400" kern="1200">
+                <a:solidFill>
+                  <a:schemeClr val="tx1"/>
+                </a:solidFill>
+                <a:latin typeface="+mn-lt"/>
+                <a:ea typeface="+mn-ea"/>
+                <a:cs typeface="+mn-cs"/>
+              </a:defRPr>
+            </a:lvl3pPr>
+            <a:lvl4pPr marL="1600200" indent="-228600" algn="l" defTabSz="914400" rtl="0" eaLnBrk="1" latinLnBrk="1" hangingPunct="1">
+              <a:spcBef>
+                <a:spcPct val="20000"/>
+              </a:spcBef>
+              <a:buFont typeface="Arial" pitchFamily="34" charset="0"/>
+              <a:buChar char="–"/>
+              <a:defRPr sz="2000" kern="1200">
+                <a:solidFill>
+                  <a:schemeClr val="tx1"/>
+                </a:solidFill>
+                <a:latin typeface="+mn-lt"/>
+                <a:ea typeface="+mn-ea"/>
+                <a:cs typeface="+mn-cs"/>
+              </a:defRPr>
+            </a:lvl4pPr>
+            <a:lvl5pPr marL="2057400" indent="-228600" algn="l" defTabSz="914400" rtl="0" eaLnBrk="1" latinLnBrk="1" hangingPunct="1">
+              <a:spcBef>
+                <a:spcPct val="20000"/>
+              </a:spcBef>
+              <a:buFont typeface="Arial" pitchFamily="34" charset="0"/>
+              <a:buChar char="»"/>
+              <a:defRPr sz="2000" kern="1200">
+                <a:solidFill>
+                  <a:schemeClr val="tx1"/>
+                </a:solidFill>
+                <a:latin typeface="+mn-lt"/>
+                <a:ea typeface="+mn-ea"/>
+                <a:cs typeface="+mn-cs"/>
+              </a:defRPr>
+            </a:lvl5pPr>
+            <a:lvl6pPr marL="2514600" indent="-228600" algn="l" defTabSz="914400" rtl="0" eaLnBrk="1" latinLnBrk="1" hangingPunct="1">
+              <a:spcBef>
+                <a:spcPct val="20000"/>
+              </a:spcBef>
+              <a:buFont typeface="Arial" pitchFamily="34" charset="0"/>
+              <a:buChar char="•"/>
+              <a:defRPr sz="2000" kern="1200">
+                <a:solidFill>
+                  <a:schemeClr val="tx1"/>
+                </a:solidFill>
+                <a:latin typeface="+mn-lt"/>
+                <a:ea typeface="+mn-ea"/>
+                <a:cs typeface="+mn-cs"/>
+              </a:defRPr>
+            </a:lvl6pPr>
+            <a:lvl7pPr marL="2971800" indent="-228600" algn="l" defTabSz="914400" rtl="0" eaLnBrk="1" latinLnBrk="1" hangingPunct="1">
+              <a:spcBef>
+                <a:spcPct val="20000"/>
+              </a:spcBef>
+              <a:buFont typeface="Arial" pitchFamily="34" charset="0"/>
+              <a:buChar char="•"/>
+              <a:defRPr sz="2000" kern="1200">
+                <a:solidFill>
+                  <a:schemeClr val="tx1"/>
+                </a:solidFill>
+                <a:latin typeface="+mn-lt"/>
+                <a:ea typeface="+mn-ea"/>
+                <a:cs typeface="+mn-cs"/>
+              </a:defRPr>
+            </a:lvl7pPr>
+            <a:lvl8pPr marL="3429000" indent="-228600" algn="l" defTabSz="914400" rtl="0" eaLnBrk="1" latinLnBrk="1" hangingPunct="1">
+              <a:spcBef>
+                <a:spcPct val="20000"/>
+              </a:spcBef>
+              <a:buFont typeface="Arial" pitchFamily="34" charset="0"/>
+              <a:buChar char="•"/>
+              <a:defRPr sz="2000" kern="1200">
+                <a:solidFill>
+                  <a:schemeClr val="tx1"/>
+                </a:solidFill>
+                <a:latin typeface="+mn-lt"/>
+                <a:ea typeface="+mn-ea"/>
+                <a:cs typeface="+mn-cs"/>
+              </a:defRPr>
+            </a:lvl8pPr>
+            <a:lvl9pPr marL="3886200" indent="-228600" algn="l" defTabSz="914400" rtl="0" eaLnBrk="1" latinLnBrk="1" hangingPunct="1">
+              <a:spcBef>
+                <a:spcPct val="20000"/>
+              </a:spcBef>
+              <a:buFont typeface="Arial" pitchFamily="34" charset="0"/>
+              <a:buChar char="•"/>
+              <a:defRPr sz="2000" kern="1200">
+                <a:solidFill>
+                  <a:schemeClr val="tx1"/>
+                </a:solidFill>
+                <a:latin typeface="+mn-lt"/>
+                <a:ea typeface="+mn-ea"/>
+                <a:cs typeface="+mn-cs"/>
+              </a:defRPr>
+            </a:lvl9pPr>
+          </a:lstStyle>
+          <a:p>
+            <a:r>
+              <a:rPr lang="en-US" altLang="ko-KR" sz="1800" dirty="0">
+                <a:latin typeface="Arial" pitchFamily="34" charset="0"/>
+                <a:cs typeface="Arial" pitchFamily="34" charset="0"/>
+              </a:rPr>
+              <a:t>The robot was able to discover near-optimal, and in many cases, optimal path.  Finer resolutions of gridding may be used to improve the probability of discovering optimal solution at the cost of higher time complexity.  Planning algorithms such as value iterations or policy iteration also have merit in solving this problem.</a:t>
+            </a:r>
+            <a:endParaRPr lang="en-US" sz="1800" dirty="0"/>
+          </a:p>
+        </p:txBody>
+      </p:sp>
+    </p:spTree>
+    <p:extLst>
+      <p:ext uri="{BB962C8B-B14F-4D97-AF65-F5344CB8AC3E}">
+        <p14:creationId xmlns:p14="http://schemas.microsoft.com/office/powerpoint/2010/main" val="2230922432"/>
       </p:ext>
     </p:extLst>
   </p:cSld>
